--- a/lectures/Lec11.pptx
+++ b/lectures/Lec11.pptx
@@ -16,17 +16,7 @@
     <p:sldId id="389" r:id="rId10"/>
     <p:sldId id="390" r:id="rId11"/>
     <p:sldId id="391" r:id="rId12"/>
-    <p:sldId id="382" r:id="rId13"/>
-    <p:sldId id="373" r:id="rId14"/>
-    <p:sldId id="374" r:id="rId15"/>
-    <p:sldId id="375" r:id="rId16"/>
-    <p:sldId id="376" r:id="rId17"/>
-    <p:sldId id="377" r:id="rId18"/>
-    <p:sldId id="378" r:id="rId19"/>
-    <p:sldId id="379" r:id="rId20"/>
-    <p:sldId id="380" r:id="rId21"/>
-    <p:sldId id="381" r:id="rId22"/>
-    <p:sldId id="264" r:id="rId23"/>
+    <p:sldId id="264" r:id="rId13"/>
   </p:sldIdLst>
   <p:sldSz cx="12192000" cy="6858000"/>
   <p:notesSz cx="6858000" cy="9144000"/>
@@ -318,7 +308,7 @@
           <a:p>
             <a:fld id="{88D38747-4367-4BD2-8D51-C97E202738E2}" type="datetime1">
               <a:rPr lang="en-US" smtClean="0"/>
-              <a:t>9/26/2025</a:t>
+              <a:t>10/7/2025</a:t>
             </a:fld>
             <a:endParaRPr lang="en-US" dirty="0"/>
           </a:p>
@@ -623,7 +613,7 @@
           <a:p>
             <a:fld id="{11F1B079-7EF0-44EE-B798-BCC497C9F3B2}" type="datetime1">
               <a:rPr lang="en-US" smtClean="0"/>
-              <a:t>9/26/2025</a:t>
+              <a:t>10/7/2025</a:t>
             </a:fld>
             <a:endParaRPr lang="en-US" dirty="0"/>
           </a:p>
@@ -817,7 +807,7 @@
           <a:p>
             <a:fld id="{28FF70A8-1D13-4657-95F0-A9EA54967B8D}" type="datetime1">
               <a:rPr lang="en-US" smtClean="0"/>
-              <a:t>9/26/2025</a:t>
+              <a:t>10/7/2025</a:t>
             </a:fld>
             <a:endParaRPr lang="en-US" dirty="0"/>
           </a:p>
@@ -1080,7 +1070,7 @@
           <a:p>
             <a:fld id="{21EB90AC-71BD-4C7F-8ACA-7B3F18292E63}" type="datetime1">
               <a:rPr lang="en-US" smtClean="0"/>
-              <a:t>9/26/2025</a:t>
+              <a:t>10/7/2025</a:t>
             </a:fld>
             <a:endParaRPr lang="en-US" dirty="0"/>
           </a:p>
@@ -1516,7 +1506,7 @@
           <a:p>
             <a:fld id="{4E6EFC2C-8905-46F0-B443-CE905B76BA01}" type="datetime1">
               <a:rPr lang="en-US" smtClean="0"/>
-              <a:t>9/26/2025</a:t>
+              <a:t>10/7/2025</a:t>
             </a:fld>
             <a:endParaRPr lang="en-US" dirty="0"/>
           </a:p>
@@ -2053,7 +2043,7 @@
           <a:p>
             <a:fld id="{D9079DC3-C9B5-499E-9140-0DC28B7074E2}" type="datetime1">
               <a:rPr lang="en-US" smtClean="0"/>
-              <a:t>9/26/2025</a:t>
+              <a:t>10/7/2025</a:t>
             </a:fld>
             <a:endParaRPr lang="en-US" dirty="0"/>
           </a:p>
@@ -2935,7 +2925,7 @@
           <a:p>
             <a:fld id="{30BB33EA-E472-4D22-9C03-A9C14AA21CED}" type="datetime1">
               <a:rPr lang="en-US" smtClean="0"/>
-              <a:t>9/26/2025</a:t>
+              <a:t>10/7/2025</a:t>
             </a:fld>
             <a:endParaRPr lang="en-US" dirty="0"/>
           </a:p>
@@ -3105,7 +3095,7 @@
           <a:p>
             <a:fld id="{217E833E-1B6D-415F-AD29-75AE8C43BD0D}" type="datetime1">
               <a:rPr lang="en-US" smtClean="0"/>
-              <a:t>9/26/2025</a:t>
+              <a:t>10/7/2025</a:t>
             </a:fld>
             <a:endParaRPr lang="en-US" dirty="0"/>
           </a:p>
@@ -3289,7 +3279,7 @@
           <a:p>
             <a:fld id="{8452596F-08A7-4B70-989A-F2B1CF31E66B}" type="datetime1">
               <a:rPr lang="en-US" smtClean="0"/>
-              <a:t>9/26/2025</a:t>
+              <a:t>10/7/2025</a:t>
             </a:fld>
             <a:endParaRPr lang="en-US" dirty="0"/>
           </a:p>
@@ -3567,7 +3557,7 @@
           <a:p>
             <a:fld id="{73C55A3C-5767-4844-A0A3-83778C2E5409}" type="datetime1">
               <a:rPr lang="en-US" smtClean="0"/>
-              <a:t>9/26/2025</a:t>
+              <a:t>10/7/2025</a:t>
             </a:fld>
             <a:endParaRPr lang="en-US" dirty="0"/>
           </a:p>
@@ -3811,7 +3801,7 @@
           <a:p>
             <a:fld id="{CAE507A8-A5CF-4D38-AB86-7EDDA87A85D4}" type="datetime1">
               <a:rPr lang="en-US" smtClean="0"/>
-              <a:t>9/26/2025</a:t>
+              <a:t>10/7/2025</a:t>
             </a:fld>
             <a:endParaRPr lang="en-US" dirty="0"/>
           </a:p>
@@ -4053,7 +4043,7 @@
           <a:p>
             <a:fld id="{BDFCD27C-8599-43EF-BA1D-14DDC1946E06}" type="datetime1">
               <a:rPr lang="en-US" smtClean="0"/>
-              <a:t>9/26/2025</a:t>
+              <a:t>10/7/2025</a:t>
             </a:fld>
             <a:endParaRPr lang="en-US" dirty="0"/>
           </a:p>
@@ -4536,7 +4526,7 @@
           <a:p>
             <a:fld id="{49343D99-809A-49C0-96E5-4250D0B498EE}" type="datetime1">
               <a:rPr lang="en-US" smtClean="0"/>
-              <a:t>9/26/2025</a:t>
+              <a:t>10/7/2025</a:t>
             </a:fld>
             <a:endParaRPr lang="en-US" dirty="0"/>
           </a:p>
@@ -4654,7 +4644,7 @@
           <a:p>
             <a:fld id="{A143DE9B-B678-4EFB-BB7D-A4370204A0B0}" type="datetime1">
               <a:rPr lang="en-US" smtClean="0"/>
-              <a:t>9/26/2025</a:t>
+              <a:t>10/7/2025</a:t>
             </a:fld>
             <a:endParaRPr lang="en-US" dirty="0"/>
           </a:p>
@@ -4749,7 +4739,7 @@
           <a:p>
             <a:fld id="{E68812DA-F765-4142-A6A3-A8ED7235E082}" type="datetime1">
               <a:rPr lang="en-US" smtClean="0"/>
-              <a:t>9/26/2025</a:t>
+              <a:t>10/7/2025</a:t>
             </a:fld>
             <a:endParaRPr lang="en-US" dirty="0"/>
           </a:p>
@@ -5004,7 +4994,7 @@
           <a:p>
             <a:fld id="{3E0277FD-7DE6-41D4-930D-AC99F5AFE54E}" type="datetime1">
               <a:rPr lang="en-US" smtClean="0"/>
-              <a:t>9/26/2025</a:t>
+              <a:t>10/7/2025</a:t>
             </a:fld>
             <a:endParaRPr lang="en-US" dirty="0"/>
           </a:p>
@@ -5311,7 +5301,7 @@
           <a:p>
             <a:fld id="{9EA15526-7079-4B7B-987C-1B5FAE11A0FF}" type="datetime1">
               <a:rPr lang="en-US" smtClean="0"/>
-              <a:t>9/26/2025</a:t>
+              <a:t>10/7/2025</a:t>
             </a:fld>
             <a:endParaRPr lang="en-US" dirty="0"/>
           </a:p>
@@ -5546,7 +5536,7 @@
           <a:p>
             <a:fld id="{073ED0CC-082F-4160-86E5-0D6041F12778}" type="datetime1">
               <a:rPr lang="en-US" smtClean="0"/>
-              <a:t>9/26/2025</a:t>
+              <a:t>10/7/2025</a:t>
             </a:fld>
             <a:endParaRPr lang="en-US" dirty="0"/>
           </a:p>
@@ -6943,2329 +6933,6 @@
     <p:bg>
       <p:bgPr>
         <a:solidFill>
-          <a:schemeClr val="tx1"/>
-        </a:solidFill>
-        <a:effectLst/>
-      </p:bgPr>
-    </p:bg>
-    <p:spTree>
-      <p:nvGrpSpPr>
-        <p:cNvPr id="1" name="">
-          <a:extLst>
-            <a:ext uri="{FF2B5EF4-FFF2-40B4-BE49-F238E27FC236}">
-              <a16:creationId xmlns:a16="http://schemas.microsoft.com/office/drawing/2014/main" id="{F15F635C-957D-7C4D-D9E0-9B7E8F8EF3CC}"/>
-            </a:ext>
-          </a:extLst>
-        </p:cNvPr>
-        <p:cNvGrpSpPr/>
-        <p:nvPr/>
-      </p:nvGrpSpPr>
-      <p:grpSpPr>
-        <a:xfrm>
-          <a:off x="0" y="0"/>
-          <a:ext cx="0" cy="0"/>
-          <a:chOff x="0" y="0"/>
-          <a:chExt cx="0" cy="0"/>
-        </a:xfrm>
-      </p:grpSpPr>
-      <p:sp>
-        <p:nvSpPr>
-          <p:cNvPr id="2" name="Title 1">
-            <a:extLst>
-              <a:ext uri="{FF2B5EF4-FFF2-40B4-BE49-F238E27FC236}">
-                <a16:creationId xmlns:a16="http://schemas.microsoft.com/office/drawing/2014/main" id="{C94FB7E1-8C79-B676-031C-2F7DD9F35E00}"/>
-              </a:ext>
-            </a:extLst>
-          </p:cNvPr>
-          <p:cNvSpPr>
-            <a:spLocks noGrp="1"/>
-          </p:cNvSpPr>
-          <p:nvPr>
-            <p:ph type="ctrTitle"/>
-          </p:nvPr>
-        </p:nvSpPr>
-        <p:spPr>
-          <a:xfrm>
-            <a:off x="0" y="99849"/>
-            <a:ext cx="12192000" cy="1191998"/>
-          </a:xfrm>
-        </p:spPr>
-        <p:txBody>
-          <a:bodyPr>
-            <a:normAutofit/>
-          </a:bodyPr>
-          <a:lstStyle/>
-          <a:p>
-            <a:r>
-              <a:rPr lang="en-US" sz="6000" b="1" dirty="0">
-                <a:solidFill>
-                  <a:schemeClr val="accent3"/>
-                </a:solidFill>
-                <a:effectLst/>
-              </a:rPr>
-              <a:t>Introduction to List Comprehension</a:t>
-            </a:r>
-          </a:p>
-        </p:txBody>
-      </p:sp>
-      <p:sp>
-        <p:nvSpPr>
-          <p:cNvPr id="52" name="TextBox 51">
-            <a:extLst>
-              <a:ext uri="{FF2B5EF4-FFF2-40B4-BE49-F238E27FC236}">
-                <a16:creationId xmlns:a16="http://schemas.microsoft.com/office/drawing/2014/main" id="{587C1FC8-D07D-7F9D-8860-85B59379A916}"/>
-              </a:ext>
-            </a:extLst>
-          </p:cNvPr>
-          <p:cNvSpPr txBox="1"/>
-          <p:nvPr/>
-        </p:nvSpPr>
-        <p:spPr>
-          <a:xfrm>
-            <a:off x="401311" y="1992104"/>
-            <a:ext cx="6112472" cy="3970318"/>
-          </a:xfrm>
-          <a:prstGeom prst="rect">
-            <a:avLst/>
-          </a:prstGeom>
-          <a:noFill/>
-        </p:spPr>
-        <p:txBody>
-          <a:bodyPr wrap="square" rtlCol="0">
-            <a:spAutoFit/>
-          </a:bodyPr>
-          <a:lstStyle/>
-          <a:p>
-            <a:r>
-              <a:rPr lang="en-US" sz="2800" b="1" dirty="0">
-                <a:solidFill>
-                  <a:schemeClr val="bg2"/>
-                </a:solidFill>
-              </a:rPr>
-              <a:t>Definition: </a:t>
-            </a:r>
-            <a:r>
-              <a:rPr lang="en-US" sz="2800" dirty="0">
-                <a:solidFill>
-                  <a:schemeClr val="bg2"/>
-                </a:solidFill>
-              </a:rPr>
-              <a:t>"List comprehension is a concise way to create lists in Python.“</a:t>
-            </a:r>
-          </a:p>
-          <a:p>
-            <a:endParaRPr lang="en-US" sz="2800" dirty="0">
-              <a:solidFill>
-                <a:schemeClr val="bg2"/>
-              </a:solidFill>
-            </a:endParaRPr>
-          </a:p>
-          <a:p>
-            <a:r>
-              <a:rPr lang="en-US" sz="2800" b="1" dirty="0">
-                <a:solidFill>
-                  <a:schemeClr val="bg2"/>
-                </a:solidFill>
-              </a:rPr>
-              <a:t>Why it's used: </a:t>
-            </a:r>
-            <a:r>
-              <a:rPr lang="en-US" sz="2800" dirty="0">
-                <a:solidFill>
-                  <a:schemeClr val="bg2"/>
-                </a:solidFill>
-              </a:rPr>
-              <a:t>Readability, compactness, performance.</a:t>
-            </a:r>
-          </a:p>
-          <a:p>
-            <a:endParaRPr lang="en-US" sz="2800" dirty="0">
-              <a:solidFill>
-                <a:schemeClr val="bg2"/>
-              </a:solidFill>
-            </a:endParaRPr>
-          </a:p>
-          <a:p>
-            <a:r>
-              <a:rPr lang="en-US" sz="2800" b="1" dirty="0">
-                <a:solidFill>
-                  <a:schemeClr val="bg1"/>
-                </a:solidFill>
-              </a:rPr>
-              <a:t>Example:</a:t>
-            </a:r>
-          </a:p>
-          <a:p>
-            <a:r>
-              <a:rPr lang="en-US" sz="2800" i="1" dirty="0">
-                <a:solidFill>
-                  <a:schemeClr val="bg1"/>
-                </a:solidFill>
-                <a:highlight>
-                  <a:srgbClr val="C0C0C0"/>
-                </a:highlight>
-              </a:rPr>
-              <a:t>numbers = [x for x in range(5)]</a:t>
-            </a:r>
-          </a:p>
-          <a:p>
-            <a:r>
-              <a:rPr lang="en-US" sz="2800" i="1" dirty="0">
-                <a:solidFill>
-                  <a:schemeClr val="bg1"/>
-                </a:solidFill>
-                <a:highlight>
-                  <a:srgbClr val="C0C0C0"/>
-                </a:highlight>
-              </a:rPr>
-              <a:t>print(numbers)  # [0, 1, 2, 3, 4]</a:t>
-            </a:r>
-          </a:p>
-        </p:txBody>
-      </p:sp>
-    </p:spTree>
-    <p:extLst>
-      <p:ext uri="{BB962C8B-B14F-4D97-AF65-F5344CB8AC3E}">
-        <p14:creationId xmlns:p14="http://schemas.microsoft.com/office/powerpoint/2010/main" val="1435250851"/>
-      </p:ext>
-    </p:extLst>
-  </p:cSld>
-  <p:clrMapOvr>
-    <a:masterClrMapping/>
-  </p:clrMapOvr>
-</p:sld>
-</file>
-
-<file path=ppt/slides/slide13.xml><?xml version="1.0" encoding="utf-8"?>
-<p:sld xmlns:a="http://schemas.openxmlformats.org/drawingml/2006/main" xmlns:r="http://schemas.openxmlformats.org/officeDocument/2006/relationships" xmlns:p="http://schemas.openxmlformats.org/presentationml/2006/main">
-  <p:cSld>
-    <p:bg>
-      <p:bgPr>
-        <a:solidFill>
-          <a:schemeClr val="tx1"/>
-        </a:solidFill>
-        <a:effectLst/>
-      </p:bgPr>
-    </p:bg>
-    <p:spTree>
-      <p:nvGrpSpPr>
-        <p:cNvPr id="1" name="">
-          <a:extLst>
-            <a:ext uri="{FF2B5EF4-FFF2-40B4-BE49-F238E27FC236}">
-              <a16:creationId xmlns:a16="http://schemas.microsoft.com/office/drawing/2014/main" id="{2BAC86D8-C35B-2A6F-580D-045841D33A01}"/>
-            </a:ext>
-          </a:extLst>
-        </p:cNvPr>
-        <p:cNvGrpSpPr/>
-        <p:nvPr/>
-      </p:nvGrpSpPr>
-      <p:grpSpPr>
-        <a:xfrm>
-          <a:off x="0" y="0"/>
-          <a:ext cx="0" cy="0"/>
-          <a:chOff x="0" y="0"/>
-          <a:chExt cx="0" cy="0"/>
-        </a:xfrm>
-      </p:grpSpPr>
-      <p:sp>
-        <p:nvSpPr>
-          <p:cNvPr id="2" name="Title 1">
-            <a:extLst>
-              <a:ext uri="{FF2B5EF4-FFF2-40B4-BE49-F238E27FC236}">
-                <a16:creationId xmlns:a16="http://schemas.microsoft.com/office/drawing/2014/main" id="{4FCD7A5C-5A8C-ACA6-95C6-E05BB2450F1D}"/>
-              </a:ext>
-            </a:extLst>
-          </p:cNvPr>
-          <p:cNvSpPr>
-            <a:spLocks noGrp="1"/>
-          </p:cNvSpPr>
-          <p:nvPr>
-            <p:ph type="ctrTitle"/>
-          </p:nvPr>
-        </p:nvSpPr>
-        <p:spPr>
-          <a:xfrm>
-            <a:off x="0" y="99849"/>
-            <a:ext cx="12192000" cy="1191998"/>
-          </a:xfrm>
-        </p:spPr>
-        <p:txBody>
-          <a:bodyPr>
-            <a:noAutofit/>
-          </a:bodyPr>
-          <a:lstStyle/>
-          <a:p>
-            <a:r>
-              <a:rPr lang="en-US" sz="4800" b="1" dirty="0">
-                <a:solidFill>
-                  <a:schemeClr val="accent3"/>
-                </a:solidFill>
-                <a:effectLst/>
-              </a:rPr>
-              <a:t>Traditional Approach vs List Comprehension</a:t>
-            </a:r>
-          </a:p>
-        </p:txBody>
-      </p:sp>
-      <p:sp>
-        <p:nvSpPr>
-          <p:cNvPr id="52" name="TextBox 51">
-            <a:extLst>
-              <a:ext uri="{FF2B5EF4-FFF2-40B4-BE49-F238E27FC236}">
-                <a16:creationId xmlns:a16="http://schemas.microsoft.com/office/drawing/2014/main" id="{C0498F56-ABD3-392E-290A-91319D1922B5}"/>
-              </a:ext>
-            </a:extLst>
-          </p:cNvPr>
-          <p:cNvSpPr txBox="1"/>
-          <p:nvPr/>
-        </p:nvSpPr>
-        <p:spPr>
-          <a:xfrm>
-            <a:off x="410936" y="1992104"/>
-            <a:ext cx="6112472" cy="3539430"/>
-          </a:xfrm>
-          <a:prstGeom prst="rect">
-            <a:avLst/>
-          </a:prstGeom>
-          <a:noFill/>
-        </p:spPr>
-        <p:txBody>
-          <a:bodyPr wrap="square" rtlCol="0">
-            <a:spAutoFit/>
-          </a:bodyPr>
-          <a:lstStyle/>
-          <a:p>
-            <a:r>
-              <a:rPr lang="en-US" sz="2800" b="1" dirty="0">
-                <a:solidFill>
-                  <a:schemeClr val="bg2"/>
-                </a:solidFill>
-              </a:rPr>
-              <a:t>Traditional Loop:</a:t>
-            </a:r>
-          </a:p>
-          <a:p>
-            <a:r>
-              <a:rPr lang="en-US" sz="2800" i="1" dirty="0">
-                <a:solidFill>
-                  <a:schemeClr val="bg2"/>
-                </a:solidFill>
-                <a:highlight>
-                  <a:srgbClr val="C0C0C0"/>
-                </a:highlight>
-              </a:rPr>
-              <a:t>result = []</a:t>
-            </a:r>
-          </a:p>
-          <a:p>
-            <a:r>
-              <a:rPr lang="en-US" sz="2800" i="1" dirty="0">
-                <a:solidFill>
-                  <a:schemeClr val="bg2"/>
-                </a:solidFill>
-                <a:highlight>
-                  <a:srgbClr val="C0C0C0"/>
-                </a:highlight>
-              </a:rPr>
-              <a:t>for </a:t>
-            </a:r>
-            <a:r>
-              <a:rPr lang="en-US" sz="2800" i="1" dirty="0" err="1">
-                <a:solidFill>
-                  <a:schemeClr val="bg2"/>
-                </a:solidFill>
-                <a:highlight>
-                  <a:srgbClr val="C0C0C0"/>
-                </a:highlight>
-              </a:rPr>
-              <a:t>i</a:t>
-            </a:r>
-            <a:r>
-              <a:rPr lang="en-US" sz="2800" i="1" dirty="0">
-                <a:solidFill>
-                  <a:schemeClr val="bg2"/>
-                </a:solidFill>
-                <a:highlight>
-                  <a:srgbClr val="C0C0C0"/>
-                </a:highlight>
-              </a:rPr>
-              <a:t> in range(5):</a:t>
-            </a:r>
-          </a:p>
-          <a:p>
-            <a:r>
-              <a:rPr lang="en-US" sz="2800" i="1" dirty="0">
-                <a:solidFill>
-                  <a:schemeClr val="bg2"/>
-                </a:solidFill>
-                <a:highlight>
-                  <a:srgbClr val="C0C0C0"/>
-                </a:highlight>
-              </a:rPr>
-              <a:t>    </a:t>
-            </a:r>
-            <a:r>
-              <a:rPr lang="en-US" sz="2800" i="1" dirty="0" err="1">
-                <a:solidFill>
-                  <a:schemeClr val="bg2"/>
-                </a:solidFill>
-                <a:highlight>
-                  <a:srgbClr val="C0C0C0"/>
-                </a:highlight>
-              </a:rPr>
-              <a:t>result.append</a:t>
-            </a:r>
-            <a:r>
-              <a:rPr lang="en-US" sz="2800" i="1" dirty="0">
-                <a:solidFill>
-                  <a:schemeClr val="bg2"/>
-                </a:solidFill>
-                <a:highlight>
-                  <a:srgbClr val="C0C0C0"/>
-                </a:highlight>
-              </a:rPr>
-              <a:t>(</a:t>
-            </a:r>
-            <a:r>
-              <a:rPr lang="en-US" sz="2800" i="1" dirty="0" err="1">
-                <a:solidFill>
-                  <a:schemeClr val="bg2"/>
-                </a:solidFill>
-                <a:highlight>
-                  <a:srgbClr val="C0C0C0"/>
-                </a:highlight>
-              </a:rPr>
-              <a:t>i</a:t>
-            </a:r>
-            <a:r>
-              <a:rPr lang="en-US" sz="2800" i="1" dirty="0">
-                <a:solidFill>
-                  <a:schemeClr val="bg2"/>
-                </a:solidFill>
-                <a:highlight>
-                  <a:srgbClr val="C0C0C0"/>
-                </a:highlight>
-              </a:rPr>
-              <a:t>**2)</a:t>
-            </a:r>
-          </a:p>
-          <a:p>
-            <a:endParaRPr lang="en-US" sz="2800" i="1" dirty="0">
-              <a:solidFill>
-                <a:schemeClr val="bg2"/>
-              </a:solidFill>
-              <a:highlight>
-                <a:srgbClr val="C0C0C0"/>
-              </a:highlight>
-            </a:endParaRPr>
-          </a:p>
-          <a:p>
-            <a:r>
-              <a:rPr lang="en-US" sz="2800" b="1" dirty="0">
-                <a:solidFill>
-                  <a:schemeClr val="bg2"/>
-                </a:solidFill>
-              </a:rPr>
-              <a:t>List Comprehension:</a:t>
-            </a:r>
-          </a:p>
-          <a:p>
-            <a:r>
-              <a:rPr lang="en-US" sz="2800" i="1" dirty="0">
-                <a:solidFill>
-                  <a:schemeClr val="bg2"/>
-                </a:solidFill>
-                <a:highlight>
-                  <a:srgbClr val="C0C0C0"/>
-                </a:highlight>
-              </a:rPr>
-              <a:t>result = [</a:t>
-            </a:r>
-            <a:r>
-              <a:rPr lang="en-US" sz="2800" i="1" dirty="0" err="1">
-                <a:solidFill>
-                  <a:schemeClr val="bg2"/>
-                </a:solidFill>
-                <a:highlight>
-                  <a:srgbClr val="C0C0C0"/>
-                </a:highlight>
-              </a:rPr>
-              <a:t>i</a:t>
-            </a:r>
-            <a:r>
-              <a:rPr lang="en-US" sz="2800" i="1" dirty="0">
-                <a:solidFill>
-                  <a:schemeClr val="bg2"/>
-                </a:solidFill>
-                <a:highlight>
-                  <a:srgbClr val="C0C0C0"/>
-                </a:highlight>
-              </a:rPr>
-              <a:t>**2 for </a:t>
-            </a:r>
-            <a:r>
-              <a:rPr lang="en-US" sz="2800" i="1" dirty="0" err="1">
-                <a:solidFill>
-                  <a:schemeClr val="bg2"/>
-                </a:solidFill>
-                <a:highlight>
-                  <a:srgbClr val="C0C0C0"/>
-                </a:highlight>
-              </a:rPr>
-              <a:t>i</a:t>
-            </a:r>
-            <a:r>
-              <a:rPr lang="en-US" sz="2800" i="1" dirty="0">
-                <a:solidFill>
-                  <a:schemeClr val="bg2"/>
-                </a:solidFill>
-                <a:highlight>
-                  <a:srgbClr val="C0C0C0"/>
-                </a:highlight>
-              </a:rPr>
-              <a:t> in range(5)]</a:t>
-            </a:r>
-          </a:p>
-          <a:p>
-            <a:endParaRPr lang="en-US" sz="2800" i="1" dirty="0">
-              <a:solidFill>
-                <a:schemeClr val="bg2"/>
-              </a:solidFill>
-              <a:highlight>
-                <a:srgbClr val="C0C0C0"/>
-              </a:highlight>
-            </a:endParaRPr>
-          </a:p>
-        </p:txBody>
-      </p:sp>
-    </p:spTree>
-    <p:extLst>
-      <p:ext uri="{BB962C8B-B14F-4D97-AF65-F5344CB8AC3E}">
-        <p14:creationId xmlns:p14="http://schemas.microsoft.com/office/powerpoint/2010/main" val="2741619093"/>
-      </p:ext>
-    </p:extLst>
-  </p:cSld>
-  <p:clrMapOvr>
-    <a:masterClrMapping/>
-  </p:clrMapOvr>
-</p:sld>
-</file>
-
-<file path=ppt/slides/slide14.xml><?xml version="1.0" encoding="utf-8"?>
-<p:sld xmlns:a="http://schemas.openxmlformats.org/drawingml/2006/main" xmlns:r="http://schemas.openxmlformats.org/officeDocument/2006/relationships" xmlns:p="http://schemas.openxmlformats.org/presentationml/2006/main">
-  <p:cSld>
-    <p:bg>
-      <p:bgPr>
-        <a:solidFill>
-          <a:schemeClr val="tx1"/>
-        </a:solidFill>
-        <a:effectLst/>
-      </p:bgPr>
-    </p:bg>
-    <p:spTree>
-      <p:nvGrpSpPr>
-        <p:cNvPr id="1" name="">
-          <a:extLst>
-            <a:ext uri="{FF2B5EF4-FFF2-40B4-BE49-F238E27FC236}">
-              <a16:creationId xmlns:a16="http://schemas.microsoft.com/office/drawing/2014/main" id="{574B8BDC-549C-F5D9-2CED-3527A6F9786B}"/>
-            </a:ext>
-          </a:extLst>
-        </p:cNvPr>
-        <p:cNvGrpSpPr/>
-        <p:nvPr/>
-      </p:nvGrpSpPr>
-      <p:grpSpPr>
-        <a:xfrm>
-          <a:off x="0" y="0"/>
-          <a:ext cx="0" cy="0"/>
-          <a:chOff x="0" y="0"/>
-          <a:chExt cx="0" cy="0"/>
-        </a:xfrm>
-      </p:grpSpPr>
-      <p:sp>
-        <p:nvSpPr>
-          <p:cNvPr id="2" name="Title 1">
-            <a:extLst>
-              <a:ext uri="{FF2B5EF4-FFF2-40B4-BE49-F238E27FC236}">
-                <a16:creationId xmlns:a16="http://schemas.microsoft.com/office/drawing/2014/main" id="{D12BB2A2-B1EA-51F2-545C-C6F5E70B7F6F}"/>
-              </a:ext>
-            </a:extLst>
-          </p:cNvPr>
-          <p:cNvSpPr>
-            <a:spLocks noGrp="1"/>
-          </p:cNvSpPr>
-          <p:nvPr>
-            <p:ph type="ctrTitle"/>
-          </p:nvPr>
-        </p:nvSpPr>
-        <p:spPr>
-          <a:xfrm>
-            <a:off x="0" y="99849"/>
-            <a:ext cx="12192000" cy="1191998"/>
-          </a:xfrm>
-        </p:spPr>
-        <p:txBody>
-          <a:bodyPr>
-            <a:noAutofit/>
-          </a:bodyPr>
-          <a:lstStyle/>
-          <a:p>
-            <a:r>
-              <a:rPr lang="en-US" sz="4800" b="1" dirty="0">
-                <a:solidFill>
-                  <a:schemeClr val="accent3"/>
-                </a:solidFill>
-                <a:effectLst/>
-              </a:rPr>
-              <a:t>Basic Syntax</a:t>
-            </a:r>
-          </a:p>
-        </p:txBody>
-      </p:sp>
-      <p:sp>
-        <p:nvSpPr>
-          <p:cNvPr id="52" name="TextBox 51">
-            <a:extLst>
-              <a:ext uri="{FF2B5EF4-FFF2-40B4-BE49-F238E27FC236}">
-                <a16:creationId xmlns:a16="http://schemas.microsoft.com/office/drawing/2014/main" id="{F9F9C524-ABB2-E663-C46C-F0CB77FF2050}"/>
-              </a:ext>
-            </a:extLst>
-          </p:cNvPr>
-          <p:cNvSpPr txBox="1"/>
-          <p:nvPr/>
-        </p:nvSpPr>
-        <p:spPr>
-          <a:xfrm>
-            <a:off x="410936" y="1992104"/>
-            <a:ext cx="6112472" cy="3108543"/>
-          </a:xfrm>
-          <a:prstGeom prst="rect">
-            <a:avLst/>
-          </a:prstGeom>
-          <a:noFill/>
-        </p:spPr>
-        <p:txBody>
-          <a:bodyPr wrap="square" rtlCol="0">
-            <a:spAutoFit/>
-          </a:bodyPr>
-          <a:lstStyle/>
-          <a:p>
-            <a:r>
-              <a:rPr lang="en-US" sz="2800" b="1" dirty="0">
-                <a:solidFill>
-                  <a:schemeClr val="bg2"/>
-                </a:solidFill>
-              </a:rPr>
-              <a:t>Structure:</a:t>
-            </a:r>
-          </a:p>
-          <a:p>
-            <a:r>
-              <a:rPr lang="en-US" sz="2800" b="1" dirty="0">
-                <a:solidFill>
-                  <a:schemeClr val="bg2"/>
-                </a:solidFill>
-              </a:rPr>
-              <a:t>[expression for item in </a:t>
-            </a:r>
-            <a:r>
-              <a:rPr lang="en-US" sz="2800" b="1" dirty="0" err="1">
-                <a:solidFill>
-                  <a:schemeClr val="bg2"/>
-                </a:solidFill>
-              </a:rPr>
-              <a:t>iterable</a:t>
-            </a:r>
-            <a:r>
-              <a:rPr lang="en-US" sz="2800" b="1" dirty="0">
-                <a:solidFill>
-                  <a:schemeClr val="bg2"/>
-                </a:solidFill>
-              </a:rPr>
-              <a:t>]</a:t>
-            </a:r>
-          </a:p>
-          <a:p>
-            <a:endParaRPr lang="en-US" sz="2800" b="1" dirty="0">
-              <a:solidFill>
-                <a:schemeClr val="bg2"/>
-              </a:solidFill>
-            </a:endParaRPr>
-          </a:p>
-          <a:p>
-            <a:r>
-              <a:rPr lang="en-US" sz="2800" b="1" dirty="0">
-                <a:solidFill>
-                  <a:schemeClr val="bg2"/>
-                </a:solidFill>
-              </a:rPr>
-              <a:t>fruits = ["apple", "banana", "cherry"]</a:t>
-            </a:r>
-          </a:p>
-          <a:p>
-            <a:r>
-              <a:rPr lang="en-US" sz="2800" b="1" dirty="0" err="1">
-                <a:solidFill>
-                  <a:schemeClr val="bg2"/>
-                </a:solidFill>
-              </a:rPr>
-              <a:t>upper_fruits</a:t>
-            </a:r>
-            <a:r>
-              <a:rPr lang="en-US" sz="2800" b="1" dirty="0">
-                <a:solidFill>
-                  <a:schemeClr val="bg2"/>
-                </a:solidFill>
-              </a:rPr>
-              <a:t> = [</a:t>
-            </a:r>
-            <a:r>
-              <a:rPr lang="en-US" sz="2800" b="1" dirty="0" err="1">
-                <a:solidFill>
-                  <a:schemeClr val="bg2"/>
-                </a:solidFill>
-              </a:rPr>
-              <a:t>fruit.upper</a:t>
-            </a:r>
-            <a:r>
-              <a:rPr lang="en-US" sz="2800" b="1" dirty="0">
-                <a:solidFill>
-                  <a:schemeClr val="bg2"/>
-                </a:solidFill>
-              </a:rPr>
-              <a:t>() for fruit in fruits]</a:t>
-            </a:r>
-          </a:p>
-          <a:p>
-            <a:endParaRPr lang="en-US" sz="2800" b="1" dirty="0">
-              <a:solidFill>
-                <a:schemeClr val="bg2"/>
-              </a:solidFill>
-            </a:endParaRPr>
-          </a:p>
-        </p:txBody>
-      </p:sp>
-    </p:spTree>
-    <p:extLst>
-      <p:ext uri="{BB962C8B-B14F-4D97-AF65-F5344CB8AC3E}">
-        <p14:creationId xmlns:p14="http://schemas.microsoft.com/office/powerpoint/2010/main" val="942999765"/>
-      </p:ext>
-    </p:extLst>
-  </p:cSld>
-  <p:clrMapOvr>
-    <a:masterClrMapping/>
-  </p:clrMapOvr>
-</p:sld>
-</file>
-
-<file path=ppt/slides/slide15.xml><?xml version="1.0" encoding="utf-8"?>
-<p:sld xmlns:a="http://schemas.openxmlformats.org/drawingml/2006/main" xmlns:r="http://schemas.openxmlformats.org/officeDocument/2006/relationships" xmlns:p="http://schemas.openxmlformats.org/presentationml/2006/main">
-  <p:cSld>
-    <p:bg>
-      <p:bgPr>
-        <a:solidFill>
-          <a:schemeClr val="tx1"/>
-        </a:solidFill>
-        <a:effectLst/>
-      </p:bgPr>
-    </p:bg>
-    <p:spTree>
-      <p:nvGrpSpPr>
-        <p:cNvPr id="1" name="">
-          <a:extLst>
-            <a:ext uri="{FF2B5EF4-FFF2-40B4-BE49-F238E27FC236}">
-              <a16:creationId xmlns:a16="http://schemas.microsoft.com/office/drawing/2014/main" id="{641A5DED-FF4F-FE43-B447-C066AEEBDDCA}"/>
-            </a:ext>
-          </a:extLst>
-        </p:cNvPr>
-        <p:cNvGrpSpPr/>
-        <p:nvPr/>
-      </p:nvGrpSpPr>
-      <p:grpSpPr>
-        <a:xfrm>
-          <a:off x="0" y="0"/>
-          <a:ext cx="0" cy="0"/>
-          <a:chOff x="0" y="0"/>
-          <a:chExt cx="0" cy="0"/>
-        </a:xfrm>
-      </p:grpSpPr>
-      <p:sp>
-        <p:nvSpPr>
-          <p:cNvPr id="2" name="Title 1">
-            <a:extLst>
-              <a:ext uri="{FF2B5EF4-FFF2-40B4-BE49-F238E27FC236}">
-                <a16:creationId xmlns:a16="http://schemas.microsoft.com/office/drawing/2014/main" id="{43CBB5CD-81B3-645A-760F-49162B8B1C14}"/>
-              </a:ext>
-            </a:extLst>
-          </p:cNvPr>
-          <p:cNvSpPr>
-            <a:spLocks noGrp="1"/>
-          </p:cNvSpPr>
-          <p:nvPr>
-            <p:ph type="ctrTitle"/>
-          </p:nvPr>
-        </p:nvSpPr>
-        <p:spPr>
-          <a:xfrm>
-            <a:off x="0" y="99849"/>
-            <a:ext cx="12192000" cy="1191998"/>
-          </a:xfrm>
-        </p:spPr>
-        <p:txBody>
-          <a:bodyPr>
-            <a:noAutofit/>
-          </a:bodyPr>
-          <a:lstStyle/>
-          <a:p>
-            <a:r>
-              <a:rPr lang="en-US" sz="4800" b="1" dirty="0">
-                <a:solidFill>
-                  <a:schemeClr val="accent3"/>
-                </a:solidFill>
-                <a:effectLst/>
-              </a:rPr>
-              <a:t>Adding Conditions (If Statements)</a:t>
-            </a:r>
-          </a:p>
-        </p:txBody>
-      </p:sp>
-      <p:sp>
-        <p:nvSpPr>
-          <p:cNvPr id="52" name="TextBox 51">
-            <a:extLst>
-              <a:ext uri="{FF2B5EF4-FFF2-40B4-BE49-F238E27FC236}">
-                <a16:creationId xmlns:a16="http://schemas.microsoft.com/office/drawing/2014/main" id="{EC726C4B-2ED3-2A7B-8998-2B68ADBD05A3}"/>
-              </a:ext>
-            </a:extLst>
-          </p:cNvPr>
-          <p:cNvSpPr txBox="1"/>
-          <p:nvPr/>
-        </p:nvSpPr>
-        <p:spPr>
-          <a:xfrm>
-            <a:off x="410936" y="1992104"/>
-            <a:ext cx="7866790" cy="2677656"/>
-          </a:xfrm>
-          <a:prstGeom prst="rect">
-            <a:avLst/>
-          </a:prstGeom>
-          <a:noFill/>
-        </p:spPr>
-        <p:txBody>
-          <a:bodyPr wrap="square" rtlCol="0">
-            <a:spAutoFit/>
-          </a:bodyPr>
-          <a:lstStyle/>
-          <a:p>
-            <a:r>
-              <a:rPr lang="en-US" sz="2800" b="1" dirty="0">
-                <a:solidFill>
-                  <a:schemeClr val="bg2"/>
-                </a:solidFill>
-              </a:rPr>
-              <a:t>Syntax:</a:t>
-            </a:r>
-          </a:p>
-          <a:p>
-            <a:r>
-              <a:rPr lang="en-US" sz="2800" dirty="0">
-                <a:solidFill>
-                  <a:schemeClr val="bg2"/>
-                </a:solidFill>
-              </a:rPr>
-              <a:t>[expression for item in </a:t>
-            </a:r>
-            <a:r>
-              <a:rPr lang="en-US" sz="2800" dirty="0" err="1">
-                <a:solidFill>
-                  <a:schemeClr val="bg2"/>
-                </a:solidFill>
-              </a:rPr>
-              <a:t>iterable</a:t>
-            </a:r>
-            <a:r>
-              <a:rPr lang="en-US" sz="2800" dirty="0">
-                <a:solidFill>
-                  <a:schemeClr val="bg2"/>
-                </a:solidFill>
-              </a:rPr>
-              <a:t> if condition]</a:t>
-            </a:r>
-          </a:p>
-          <a:p>
-            <a:endParaRPr lang="en-US" sz="2800" b="1" dirty="0">
-              <a:solidFill>
-                <a:schemeClr val="bg2"/>
-              </a:solidFill>
-            </a:endParaRPr>
-          </a:p>
-          <a:p>
-            <a:r>
-              <a:rPr lang="en-US" sz="2800" b="1" dirty="0">
-                <a:solidFill>
-                  <a:schemeClr val="bg2"/>
-                </a:solidFill>
-              </a:rPr>
-              <a:t>Example:</a:t>
-            </a:r>
-          </a:p>
-          <a:p>
-            <a:r>
-              <a:rPr lang="en-US" sz="2800" i="1" dirty="0" err="1">
-                <a:solidFill>
-                  <a:schemeClr val="bg2"/>
-                </a:solidFill>
-                <a:highlight>
-                  <a:srgbClr val="C0C0C0"/>
-                </a:highlight>
-              </a:rPr>
-              <a:t>even_numbers</a:t>
-            </a:r>
-            <a:r>
-              <a:rPr lang="en-US" sz="2800" i="1" dirty="0">
-                <a:solidFill>
-                  <a:schemeClr val="bg2"/>
-                </a:solidFill>
-                <a:highlight>
-                  <a:srgbClr val="C0C0C0"/>
-                </a:highlight>
-              </a:rPr>
-              <a:t> = [n for n in range(10) if n % 2 == 0]</a:t>
-            </a:r>
-          </a:p>
-          <a:p>
-            <a:endParaRPr lang="en-US" sz="2800" i="1" dirty="0">
-              <a:solidFill>
-                <a:schemeClr val="bg2"/>
-              </a:solidFill>
-            </a:endParaRPr>
-          </a:p>
-        </p:txBody>
-      </p:sp>
-    </p:spTree>
-    <p:extLst>
-      <p:ext uri="{BB962C8B-B14F-4D97-AF65-F5344CB8AC3E}">
-        <p14:creationId xmlns:p14="http://schemas.microsoft.com/office/powerpoint/2010/main" val="4272264602"/>
-      </p:ext>
-    </p:extLst>
-  </p:cSld>
-  <p:clrMapOvr>
-    <a:masterClrMapping/>
-  </p:clrMapOvr>
-</p:sld>
-</file>
-
-<file path=ppt/slides/slide16.xml><?xml version="1.0" encoding="utf-8"?>
-<p:sld xmlns:a="http://schemas.openxmlformats.org/drawingml/2006/main" xmlns:r="http://schemas.openxmlformats.org/officeDocument/2006/relationships" xmlns:p="http://schemas.openxmlformats.org/presentationml/2006/main">
-  <p:cSld>
-    <p:bg>
-      <p:bgPr>
-        <a:solidFill>
-          <a:schemeClr val="tx1"/>
-        </a:solidFill>
-        <a:effectLst/>
-      </p:bgPr>
-    </p:bg>
-    <p:spTree>
-      <p:nvGrpSpPr>
-        <p:cNvPr id="1" name="">
-          <a:extLst>
-            <a:ext uri="{FF2B5EF4-FFF2-40B4-BE49-F238E27FC236}">
-              <a16:creationId xmlns:a16="http://schemas.microsoft.com/office/drawing/2014/main" id="{5D50CD2E-9DD4-6EEC-ED6F-305619F26C05}"/>
-            </a:ext>
-          </a:extLst>
-        </p:cNvPr>
-        <p:cNvGrpSpPr/>
-        <p:nvPr/>
-      </p:nvGrpSpPr>
-      <p:grpSpPr>
-        <a:xfrm>
-          <a:off x="0" y="0"/>
-          <a:ext cx="0" cy="0"/>
-          <a:chOff x="0" y="0"/>
-          <a:chExt cx="0" cy="0"/>
-        </a:xfrm>
-      </p:grpSpPr>
-      <p:sp>
-        <p:nvSpPr>
-          <p:cNvPr id="2" name="Title 1">
-            <a:extLst>
-              <a:ext uri="{FF2B5EF4-FFF2-40B4-BE49-F238E27FC236}">
-                <a16:creationId xmlns:a16="http://schemas.microsoft.com/office/drawing/2014/main" id="{C801C535-1A7C-032A-9C01-E95572A2F82D}"/>
-              </a:ext>
-            </a:extLst>
-          </p:cNvPr>
-          <p:cNvSpPr>
-            <a:spLocks noGrp="1"/>
-          </p:cNvSpPr>
-          <p:nvPr>
-            <p:ph type="ctrTitle"/>
-          </p:nvPr>
-        </p:nvSpPr>
-        <p:spPr>
-          <a:xfrm>
-            <a:off x="0" y="99849"/>
-            <a:ext cx="12192000" cy="1191998"/>
-          </a:xfrm>
-        </p:spPr>
-        <p:txBody>
-          <a:bodyPr>
-            <a:noAutofit/>
-          </a:bodyPr>
-          <a:lstStyle/>
-          <a:p>
-            <a:r>
-              <a:rPr lang="en-US" sz="4800" b="1" dirty="0">
-                <a:solidFill>
-                  <a:schemeClr val="accent3"/>
-                </a:solidFill>
-                <a:effectLst/>
-              </a:rPr>
-              <a:t>With Else (Conditional Expressions)</a:t>
-            </a:r>
-          </a:p>
-        </p:txBody>
-      </p:sp>
-      <p:sp>
-        <p:nvSpPr>
-          <p:cNvPr id="52" name="TextBox 51">
-            <a:extLst>
-              <a:ext uri="{FF2B5EF4-FFF2-40B4-BE49-F238E27FC236}">
-                <a16:creationId xmlns:a16="http://schemas.microsoft.com/office/drawing/2014/main" id="{F7F62674-1C3B-6CC2-2696-B7AE6BA63D1D}"/>
-              </a:ext>
-            </a:extLst>
-          </p:cNvPr>
-          <p:cNvSpPr txBox="1"/>
-          <p:nvPr/>
-        </p:nvSpPr>
-        <p:spPr>
-          <a:xfrm>
-            <a:off x="410935" y="1992104"/>
-            <a:ext cx="8742689" cy="2677656"/>
-          </a:xfrm>
-          <a:prstGeom prst="rect">
-            <a:avLst/>
-          </a:prstGeom>
-          <a:noFill/>
-        </p:spPr>
-        <p:txBody>
-          <a:bodyPr wrap="square" rtlCol="0">
-            <a:spAutoFit/>
-          </a:bodyPr>
-          <a:lstStyle/>
-          <a:p>
-            <a:r>
-              <a:rPr lang="en-US" sz="2800" b="1" dirty="0">
-                <a:solidFill>
-                  <a:schemeClr val="bg2"/>
-                </a:solidFill>
-              </a:rPr>
-              <a:t>Syntax:</a:t>
-            </a:r>
-          </a:p>
-          <a:p>
-            <a:r>
-              <a:rPr lang="en-US" sz="2800" dirty="0">
-                <a:solidFill>
-                  <a:schemeClr val="bg2"/>
-                </a:solidFill>
-              </a:rPr>
-              <a:t>[</a:t>
-            </a:r>
-            <a:r>
-              <a:rPr lang="en-US" sz="2800" b="1" dirty="0" err="1">
-                <a:solidFill>
-                  <a:schemeClr val="bg2"/>
-                </a:solidFill>
-              </a:rPr>
-              <a:t>true_value</a:t>
-            </a:r>
-            <a:r>
-              <a:rPr lang="en-US" sz="2800" b="1" dirty="0">
-                <a:solidFill>
-                  <a:schemeClr val="bg2"/>
-                </a:solidFill>
-              </a:rPr>
-              <a:t> </a:t>
-            </a:r>
-            <a:r>
-              <a:rPr lang="en-US" sz="2800" dirty="0">
-                <a:solidFill>
-                  <a:schemeClr val="bg2"/>
-                </a:solidFill>
-              </a:rPr>
-              <a:t>if </a:t>
-            </a:r>
-            <a:r>
-              <a:rPr lang="en-US" sz="2800" b="1" dirty="0">
-                <a:solidFill>
-                  <a:schemeClr val="bg2"/>
-                </a:solidFill>
-              </a:rPr>
-              <a:t>condition</a:t>
-            </a:r>
-            <a:r>
-              <a:rPr lang="en-US" sz="2800" dirty="0">
-                <a:solidFill>
-                  <a:schemeClr val="bg2"/>
-                </a:solidFill>
-              </a:rPr>
-              <a:t> else </a:t>
-            </a:r>
-            <a:r>
-              <a:rPr lang="en-US" sz="2800" b="1" dirty="0" err="1">
-                <a:solidFill>
-                  <a:schemeClr val="bg2"/>
-                </a:solidFill>
-              </a:rPr>
-              <a:t>false_value</a:t>
-            </a:r>
-            <a:r>
-              <a:rPr lang="en-US" sz="2800" b="1" dirty="0">
-                <a:solidFill>
-                  <a:schemeClr val="bg2"/>
-                </a:solidFill>
-              </a:rPr>
-              <a:t> </a:t>
-            </a:r>
-            <a:r>
-              <a:rPr lang="en-US" sz="2800" dirty="0">
-                <a:solidFill>
-                  <a:schemeClr val="bg2"/>
-                </a:solidFill>
-              </a:rPr>
-              <a:t>for item in </a:t>
-            </a:r>
-            <a:r>
-              <a:rPr lang="en-US" sz="2800" dirty="0" err="1">
-                <a:solidFill>
-                  <a:schemeClr val="bg2"/>
-                </a:solidFill>
-              </a:rPr>
-              <a:t>iterable</a:t>
-            </a:r>
-            <a:r>
-              <a:rPr lang="en-US" sz="2800" dirty="0">
-                <a:solidFill>
-                  <a:schemeClr val="bg2"/>
-                </a:solidFill>
-              </a:rPr>
-              <a:t>]</a:t>
-            </a:r>
-          </a:p>
-          <a:p>
-            <a:endParaRPr lang="en-US" sz="2800" b="1" dirty="0">
-              <a:solidFill>
-                <a:schemeClr val="bg2"/>
-              </a:solidFill>
-            </a:endParaRPr>
-          </a:p>
-          <a:p>
-            <a:r>
-              <a:rPr lang="en-US" sz="2800" b="1" dirty="0">
-                <a:solidFill>
-                  <a:schemeClr val="bg2"/>
-                </a:solidFill>
-              </a:rPr>
-              <a:t>Example:</a:t>
-            </a:r>
-          </a:p>
-          <a:p>
-            <a:r>
-              <a:rPr lang="en-US" sz="2800" i="1" dirty="0">
-                <a:solidFill>
-                  <a:schemeClr val="bg2"/>
-                </a:solidFill>
-              </a:rPr>
-              <a:t>numbers = [n if n % 2 == 0 else "Odd" for n in range(5)]</a:t>
-            </a:r>
-          </a:p>
-          <a:p>
-            <a:endParaRPr lang="en-US" sz="2800" i="1" dirty="0">
-              <a:solidFill>
-                <a:schemeClr val="bg2"/>
-              </a:solidFill>
-            </a:endParaRPr>
-          </a:p>
-        </p:txBody>
-      </p:sp>
-    </p:spTree>
-    <p:extLst>
-      <p:ext uri="{BB962C8B-B14F-4D97-AF65-F5344CB8AC3E}">
-        <p14:creationId xmlns:p14="http://schemas.microsoft.com/office/powerpoint/2010/main" val="1668045954"/>
-      </p:ext>
-    </p:extLst>
-  </p:cSld>
-  <p:clrMapOvr>
-    <a:masterClrMapping/>
-  </p:clrMapOvr>
-</p:sld>
-</file>
-
-<file path=ppt/slides/slide17.xml><?xml version="1.0" encoding="utf-8"?>
-<p:sld xmlns:a="http://schemas.openxmlformats.org/drawingml/2006/main" xmlns:r="http://schemas.openxmlformats.org/officeDocument/2006/relationships" xmlns:p="http://schemas.openxmlformats.org/presentationml/2006/main">
-  <p:cSld>
-    <p:bg>
-      <p:bgPr>
-        <a:solidFill>
-          <a:schemeClr val="tx1"/>
-        </a:solidFill>
-        <a:effectLst/>
-      </p:bgPr>
-    </p:bg>
-    <p:spTree>
-      <p:nvGrpSpPr>
-        <p:cNvPr id="1" name="">
-          <a:extLst>
-            <a:ext uri="{FF2B5EF4-FFF2-40B4-BE49-F238E27FC236}">
-              <a16:creationId xmlns:a16="http://schemas.microsoft.com/office/drawing/2014/main" id="{DFDF294F-3E79-8361-0D4D-3884BD3E6C4F}"/>
-            </a:ext>
-          </a:extLst>
-        </p:cNvPr>
-        <p:cNvGrpSpPr/>
-        <p:nvPr/>
-      </p:nvGrpSpPr>
-      <p:grpSpPr>
-        <a:xfrm>
-          <a:off x="0" y="0"/>
-          <a:ext cx="0" cy="0"/>
-          <a:chOff x="0" y="0"/>
-          <a:chExt cx="0" cy="0"/>
-        </a:xfrm>
-      </p:grpSpPr>
-      <p:sp>
-        <p:nvSpPr>
-          <p:cNvPr id="2" name="Title 1">
-            <a:extLst>
-              <a:ext uri="{FF2B5EF4-FFF2-40B4-BE49-F238E27FC236}">
-                <a16:creationId xmlns:a16="http://schemas.microsoft.com/office/drawing/2014/main" id="{CAA1DC65-250D-77AC-DAEF-D4ACA5EABA9F}"/>
-              </a:ext>
-            </a:extLst>
-          </p:cNvPr>
-          <p:cNvSpPr>
-            <a:spLocks noGrp="1"/>
-          </p:cNvSpPr>
-          <p:nvPr>
-            <p:ph type="ctrTitle"/>
-          </p:nvPr>
-        </p:nvSpPr>
-        <p:spPr>
-          <a:xfrm>
-            <a:off x="0" y="99849"/>
-            <a:ext cx="12192000" cy="1191998"/>
-          </a:xfrm>
-        </p:spPr>
-        <p:txBody>
-          <a:bodyPr>
-            <a:noAutofit/>
-          </a:bodyPr>
-          <a:lstStyle/>
-          <a:p>
-            <a:r>
-              <a:rPr lang="en-US" sz="4800" b="1" dirty="0">
-                <a:solidFill>
-                  <a:schemeClr val="accent3"/>
-                </a:solidFill>
-                <a:effectLst/>
-              </a:rPr>
-              <a:t>Nested List Comprehension</a:t>
-            </a:r>
-          </a:p>
-        </p:txBody>
-      </p:sp>
-      <p:sp>
-        <p:nvSpPr>
-          <p:cNvPr id="52" name="TextBox 51">
-            <a:extLst>
-              <a:ext uri="{FF2B5EF4-FFF2-40B4-BE49-F238E27FC236}">
-                <a16:creationId xmlns:a16="http://schemas.microsoft.com/office/drawing/2014/main" id="{416E703B-C6F9-FAAF-543B-33927261919C}"/>
-              </a:ext>
-            </a:extLst>
-          </p:cNvPr>
-          <p:cNvSpPr txBox="1"/>
-          <p:nvPr/>
-        </p:nvSpPr>
-        <p:spPr>
-          <a:xfrm>
-            <a:off x="410935" y="1992104"/>
-            <a:ext cx="8742689" cy="2677656"/>
-          </a:xfrm>
-          <a:prstGeom prst="rect">
-            <a:avLst/>
-          </a:prstGeom>
-          <a:noFill/>
-        </p:spPr>
-        <p:txBody>
-          <a:bodyPr wrap="square" rtlCol="0">
-            <a:spAutoFit/>
-          </a:bodyPr>
-          <a:lstStyle/>
-          <a:p>
-            <a:r>
-              <a:rPr lang="en-US" sz="2800" b="1" dirty="0">
-                <a:solidFill>
-                  <a:schemeClr val="bg2"/>
-                </a:solidFill>
-              </a:rPr>
-              <a:t>Example</a:t>
-            </a:r>
-          </a:p>
-          <a:p>
-            <a:endParaRPr lang="en-US" sz="2800" b="1" dirty="0">
-              <a:solidFill>
-                <a:schemeClr val="bg2"/>
-              </a:solidFill>
-            </a:endParaRPr>
-          </a:p>
-          <a:p>
-            <a:r>
-              <a:rPr lang="en-US" sz="2800" b="1" dirty="0">
-                <a:solidFill>
-                  <a:schemeClr val="bg2"/>
-                </a:solidFill>
-              </a:rPr>
-              <a:t>Flattening a matrix</a:t>
-            </a:r>
-          </a:p>
-          <a:p>
-            <a:r>
-              <a:rPr lang="en-US" sz="2800" dirty="0">
-                <a:solidFill>
-                  <a:schemeClr val="bg2"/>
-                </a:solidFill>
-              </a:rPr>
-              <a:t>matrix = [[1,2,3], [4,5,6], [7,8,9]]</a:t>
-            </a:r>
-          </a:p>
-          <a:p>
-            <a:r>
-              <a:rPr lang="en-US" sz="2800" dirty="0">
-                <a:solidFill>
-                  <a:schemeClr val="bg2"/>
-                </a:solidFill>
-              </a:rPr>
-              <a:t>flat = [num for row in matrix for num in row]</a:t>
-            </a:r>
-          </a:p>
-          <a:p>
-            <a:endParaRPr lang="en-US" sz="2800" i="1" dirty="0">
-              <a:solidFill>
-                <a:schemeClr val="bg2"/>
-              </a:solidFill>
-            </a:endParaRPr>
-          </a:p>
-        </p:txBody>
-      </p:sp>
-    </p:spTree>
-    <p:extLst>
-      <p:ext uri="{BB962C8B-B14F-4D97-AF65-F5344CB8AC3E}">
-        <p14:creationId xmlns:p14="http://schemas.microsoft.com/office/powerpoint/2010/main" val="717324884"/>
-      </p:ext>
-    </p:extLst>
-  </p:cSld>
-  <p:clrMapOvr>
-    <a:masterClrMapping/>
-  </p:clrMapOvr>
-</p:sld>
-</file>
-
-<file path=ppt/slides/slide18.xml><?xml version="1.0" encoding="utf-8"?>
-<p:sld xmlns:a="http://schemas.openxmlformats.org/drawingml/2006/main" xmlns:r="http://schemas.openxmlformats.org/officeDocument/2006/relationships" xmlns:p="http://schemas.openxmlformats.org/presentationml/2006/main">
-  <p:cSld>
-    <p:bg>
-      <p:bgPr>
-        <a:solidFill>
-          <a:schemeClr val="tx1"/>
-        </a:solidFill>
-        <a:effectLst/>
-      </p:bgPr>
-    </p:bg>
-    <p:spTree>
-      <p:nvGrpSpPr>
-        <p:cNvPr id="1" name="">
-          <a:extLst>
-            <a:ext uri="{FF2B5EF4-FFF2-40B4-BE49-F238E27FC236}">
-              <a16:creationId xmlns:a16="http://schemas.microsoft.com/office/drawing/2014/main" id="{432295C9-B721-9FD3-9B89-F7ADD8A6D4FD}"/>
-            </a:ext>
-          </a:extLst>
-        </p:cNvPr>
-        <p:cNvGrpSpPr/>
-        <p:nvPr/>
-      </p:nvGrpSpPr>
-      <p:grpSpPr>
-        <a:xfrm>
-          <a:off x="0" y="0"/>
-          <a:ext cx="0" cy="0"/>
-          <a:chOff x="0" y="0"/>
-          <a:chExt cx="0" cy="0"/>
-        </a:xfrm>
-      </p:grpSpPr>
-      <p:sp>
-        <p:nvSpPr>
-          <p:cNvPr id="2" name="Title 1">
-            <a:extLst>
-              <a:ext uri="{FF2B5EF4-FFF2-40B4-BE49-F238E27FC236}">
-                <a16:creationId xmlns:a16="http://schemas.microsoft.com/office/drawing/2014/main" id="{249ADF8C-B8E4-58B2-BF6C-9B49F6160991}"/>
-              </a:ext>
-            </a:extLst>
-          </p:cNvPr>
-          <p:cNvSpPr>
-            <a:spLocks noGrp="1"/>
-          </p:cNvSpPr>
-          <p:nvPr>
-            <p:ph type="ctrTitle"/>
-          </p:nvPr>
-        </p:nvSpPr>
-        <p:spPr>
-          <a:xfrm>
-            <a:off x="0" y="99849"/>
-            <a:ext cx="12192000" cy="1191998"/>
-          </a:xfrm>
-        </p:spPr>
-        <p:txBody>
-          <a:bodyPr>
-            <a:noAutofit/>
-          </a:bodyPr>
-          <a:lstStyle/>
-          <a:p>
-            <a:r>
-              <a:rPr lang="en-US" sz="4800" b="1" dirty="0">
-                <a:solidFill>
-                  <a:schemeClr val="accent3"/>
-                </a:solidFill>
-                <a:effectLst/>
-              </a:rPr>
-              <a:t>Multiple If Conditions</a:t>
-            </a:r>
-          </a:p>
-        </p:txBody>
-      </p:sp>
-      <p:sp>
-        <p:nvSpPr>
-          <p:cNvPr id="52" name="TextBox 51">
-            <a:extLst>
-              <a:ext uri="{FF2B5EF4-FFF2-40B4-BE49-F238E27FC236}">
-                <a16:creationId xmlns:a16="http://schemas.microsoft.com/office/drawing/2014/main" id="{76679D64-BBE5-6CCE-1C93-39101627797B}"/>
-              </a:ext>
-            </a:extLst>
-          </p:cNvPr>
-          <p:cNvSpPr txBox="1"/>
-          <p:nvPr/>
-        </p:nvSpPr>
-        <p:spPr>
-          <a:xfrm>
-            <a:off x="410935" y="1992104"/>
-            <a:ext cx="8742689" cy="1815882"/>
-          </a:xfrm>
-          <a:prstGeom prst="rect">
-            <a:avLst/>
-          </a:prstGeom>
-          <a:noFill/>
-        </p:spPr>
-        <p:txBody>
-          <a:bodyPr wrap="square" rtlCol="0">
-            <a:spAutoFit/>
-          </a:bodyPr>
-          <a:lstStyle/>
-          <a:p>
-            <a:r>
-              <a:rPr lang="en-US" sz="2800" b="1" dirty="0">
-                <a:solidFill>
-                  <a:schemeClr val="bg2"/>
-                </a:solidFill>
-              </a:rPr>
-              <a:t>Example</a:t>
-            </a:r>
-          </a:p>
-          <a:p>
-            <a:endParaRPr lang="en-US" sz="2800" b="1" dirty="0">
-              <a:solidFill>
-                <a:schemeClr val="bg2"/>
-              </a:solidFill>
-            </a:endParaRPr>
-          </a:p>
-          <a:p>
-            <a:r>
-              <a:rPr lang="en-US" sz="2800" i="1" dirty="0">
-                <a:solidFill>
-                  <a:schemeClr val="bg2"/>
-                </a:solidFill>
-                <a:highlight>
-                  <a:srgbClr val="C0C0C0"/>
-                </a:highlight>
-              </a:rPr>
-              <a:t>filtered = [x for x in range(50) if x % 2 == 0 if x % 5 == 0]</a:t>
-            </a:r>
-          </a:p>
-          <a:p>
-            <a:endParaRPr lang="en-US" sz="2800" i="1" dirty="0">
-              <a:solidFill>
-                <a:schemeClr val="bg2"/>
-              </a:solidFill>
-            </a:endParaRPr>
-          </a:p>
-        </p:txBody>
-      </p:sp>
-    </p:spTree>
-    <p:extLst>
-      <p:ext uri="{BB962C8B-B14F-4D97-AF65-F5344CB8AC3E}">
-        <p14:creationId xmlns:p14="http://schemas.microsoft.com/office/powerpoint/2010/main" val="382991381"/>
-      </p:ext>
-    </p:extLst>
-  </p:cSld>
-  <p:clrMapOvr>
-    <a:masterClrMapping/>
-  </p:clrMapOvr>
-</p:sld>
-</file>
-
-<file path=ppt/slides/slide19.xml><?xml version="1.0" encoding="utf-8"?>
-<p:sld xmlns:a="http://schemas.openxmlformats.org/drawingml/2006/main" xmlns:r="http://schemas.openxmlformats.org/officeDocument/2006/relationships" xmlns:p="http://schemas.openxmlformats.org/presentationml/2006/main">
-  <p:cSld>
-    <p:bg>
-      <p:bgPr>
-        <a:solidFill>
-          <a:schemeClr val="tx1"/>
-        </a:solidFill>
-        <a:effectLst/>
-      </p:bgPr>
-    </p:bg>
-    <p:spTree>
-      <p:nvGrpSpPr>
-        <p:cNvPr id="1" name="">
-          <a:extLst>
-            <a:ext uri="{FF2B5EF4-FFF2-40B4-BE49-F238E27FC236}">
-              <a16:creationId xmlns:a16="http://schemas.microsoft.com/office/drawing/2014/main" id="{2EFB4EC6-3440-D440-20E6-A7B8C23309EF}"/>
-            </a:ext>
-          </a:extLst>
-        </p:cNvPr>
-        <p:cNvGrpSpPr/>
-        <p:nvPr/>
-      </p:nvGrpSpPr>
-      <p:grpSpPr>
-        <a:xfrm>
-          <a:off x="0" y="0"/>
-          <a:ext cx="0" cy="0"/>
-          <a:chOff x="0" y="0"/>
-          <a:chExt cx="0" cy="0"/>
-        </a:xfrm>
-      </p:grpSpPr>
-      <p:sp>
-        <p:nvSpPr>
-          <p:cNvPr id="2" name="Title 1">
-            <a:extLst>
-              <a:ext uri="{FF2B5EF4-FFF2-40B4-BE49-F238E27FC236}">
-                <a16:creationId xmlns:a16="http://schemas.microsoft.com/office/drawing/2014/main" id="{BE43D198-923B-AF53-106E-6C893B882D63}"/>
-              </a:ext>
-            </a:extLst>
-          </p:cNvPr>
-          <p:cNvSpPr>
-            <a:spLocks noGrp="1"/>
-          </p:cNvSpPr>
-          <p:nvPr>
-            <p:ph type="ctrTitle"/>
-          </p:nvPr>
-        </p:nvSpPr>
-        <p:spPr>
-          <a:xfrm>
-            <a:off x="0" y="99849"/>
-            <a:ext cx="12192000" cy="1191998"/>
-          </a:xfrm>
-        </p:spPr>
-        <p:txBody>
-          <a:bodyPr>
-            <a:noAutofit/>
-          </a:bodyPr>
-          <a:lstStyle/>
-          <a:p>
-            <a:r>
-              <a:rPr lang="en-US" sz="4800" b="1" dirty="0">
-                <a:solidFill>
-                  <a:schemeClr val="accent3"/>
-                </a:solidFill>
-                <a:effectLst/>
-              </a:rPr>
-              <a:t>Using Functions in List Comprehension</a:t>
-            </a:r>
-          </a:p>
-        </p:txBody>
-      </p:sp>
-      <p:sp>
-        <p:nvSpPr>
-          <p:cNvPr id="52" name="TextBox 51">
-            <a:extLst>
-              <a:ext uri="{FF2B5EF4-FFF2-40B4-BE49-F238E27FC236}">
-                <a16:creationId xmlns:a16="http://schemas.microsoft.com/office/drawing/2014/main" id="{18843A40-6410-68EF-90E5-7FD8C35FECFB}"/>
-              </a:ext>
-            </a:extLst>
-          </p:cNvPr>
-          <p:cNvSpPr txBox="1"/>
-          <p:nvPr/>
-        </p:nvSpPr>
-        <p:spPr>
-          <a:xfrm>
-            <a:off x="410935" y="1992104"/>
-            <a:ext cx="8742689" cy="3108543"/>
-          </a:xfrm>
-          <a:prstGeom prst="rect">
-            <a:avLst/>
-          </a:prstGeom>
-          <a:noFill/>
-        </p:spPr>
-        <p:txBody>
-          <a:bodyPr wrap="square" rtlCol="0">
-            <a:spAutoFit/>
-          </a:bodyPr>
-          <a:lstStyle/>
-          <a:p>
-            <a:r>
-              <a:rPr lang="en-US" sz="2800" b="1" dirty="0">
-                <a:solidFill>
-                  <a:schemeClr val="bg2"/>
-                </a:solidFill>
-              </a:rPr>
-              <a:t>Example</a:t>
-            </a:r>
-          </a:p>
-          <a:p>
-            <a:endParaRPr lang="en-US" sz="2800" b="1" dirty="0">
-              <a:solidFill>
-                <a:schemeClr val="bg2"/>
-              </a:solidFill>
-            </a:endParaRPr>
-          </a:p>
-          <a:p>
-            <a:r>
-              <a:rPr lang="en-US" sz="2800" i="1" dirty="0">
-                <a:solidFill>
-                  <a:schemeClr val="bg2"/>
-                </a:solidFill>
-                <a:highlight>
-                  <a:srgbClr val="C0C0C0"/>
-                </a:highlight>
-              </a:rPr>
-              <a:t>def square(n):</a:t>
-            </a:r>
-          </a:p>
-          <a:p>
-            <a:r>
-              <a:rPr lang="en-US" sz="2800" i="1" dirty="0">
-                <a:solidFill>
-                  <a:schemeClr val="bg2"/>
-                </a:solidFill>
-                <a:highlight>
-                  <a:srgbClr val="C0C0C0"/>
-                </a:highlight>
-              </a:rPr>
-              <a:t>    return n*n</a:t>
-            </a:r>
-          </a:p>
-          <a:p>
-            <a:endParaRPr lang="en-US" sz="2800" i="1" dirty="0">
-              <a:solidFill>
-                <a:schemeClr val="bg2"/>
-              </a:solidFill>
-              <a:highlight>
-                <a:srgbClr val="C0C0C0"/>
-              </a:highlight>
-            </a:endParaRPr>
-          </a:p>
-          <a:p>
-            <a:r>
-              <a:rPr lang="en-US" sz="2800" i="1" dirty="0">
-                <a:solidFill>
-                  <a:schemeClr val="bg2"/>
-                </a:solidFill>
-                <a:highlight>
-                  <a:srgbClr val="C0C0C0"/>
-                </a:highlight>
-              </a:rPr>
-              <a:t>squares = [square(x) for x in range(5)]</a:t>
-            </a:r>
-          </a:p>
-          <a:p>
-            <a:endParaRPr lang="en-US" sz="2800" i="1" dirty="0">
-              <a:solidFill>
-                <a:schemeClr val="bg2"/>
-              </a:solidFill>
-            </a:endParaRPr>
-          </a:p>
-        </p:txBody>
-      </p:sp>
-    </p:spTree>
-    <p:extLst>
-      <p:ext uri="{BB962C8B-B14F-4D97-AF65-F5344CB8AC3E}">
-        <p14:creationId xmlns:p14="http://schemas.microsoft.com/office/powerpoint/2010/main" val="2425559395"/>
-      </p:ext>
-    </p:extLst>
-  </p:cSld>
-  <p:clrMapOvr>
-    <a:masterClrMapping/>
-  </p:clrMapOvr>
-</p:sld>
-</file>
-
-<file path=ppt/slides/slide2.xml><?xml version="1.0" encoding="utf-8"?>
-<p:sld xmlns:a="http://schemas.openxmlformats.org/drawingml/2006/main" xmlns:r="http://schemas.openxmlformats.org/officeDocument/2006/relationships" xmlns:p="http://schemas.openxmlformats.org/presentationml/2006/main">
-  <p:cSld>
-    <p:bg>
-      <p:bgPr>
-        <a:solidFill>
-          <a:schemeClr val="tx1"/>
-        </a:solidFill>
-        <a:effectLst/>
-      </p:bgPr>
-    </p:bg>
-    <p:spTree>
-      <p:nvGrpSpPr>
-        <p:cNvPr id="1" name=""/>
-        <p:cNvGrpSpPr/>
-        <p:nvPr/>
-      </p:nvGrpSpPr>
-      <p:grpSpPr>
-        <a:xfrm>
-          <a:off x="0" y="0"/>
-          <a:ext cx="0" cy="0"/>
-          <a:chOff x="0" y="0"/>
-          <a:chExt cx="0" cy="0"/>
-        </a:xfrm>
-      </p:grpSpPr>
-      <p:sp>
-        <p:nvSpPr>
-          <p:cNvPr id="2" name="Title 1">
-            <a:extLst>
-              <a:ext uri="{FF2B5EF4-FFF2-40B4-BE49-F238E27FC236}">
-                <a16:creationId xmlns:a16="http://schemas.microsoft.com/office/drawing/2014/main" id="{0D1F047C-C727-42A7-85C5-68C5AA1B1A93}"/>
-              </a:ext>
-            </a:extLst>
-          </p:cNvPr>
-          <p:cNvSpPr>
-            <a:spLocks noGrp="1"/>
-          </p:cNvSpPr>
-          <p:nvPr>
-            <p:ph type="ctrTitle"/>
-          </p:nvPr>
-        </p:nvSpPr>
-        <p:spPr>
-          <a:xfrm>
-            <a:off x="0" y="99849"/>
-            <a:ext cx="12192000" cy="1191998"/>
-          </a:xfrm>
-        </p:spPr>
-        <p:txBody>
-          <a:bodyPr>
-            <a:normAutofit/>
-          </a:bodyPr>
-          <a:lstStyle/>
-          <a:p>
-            <a:r>
-              <a:rPr lang="en-US" sz="6000" b="1" dirty="0">
-                <a:solidFill>
-                  <a:schemeClr val="accent3"/>
-                </a:solidFill>
-                <a:effectLst/>
-              </a:rPr>
-              <a:t>Introduction to Python Lists</a:t>
-            </a:r>
-          </a:p>
-        </p:txBody>
-      </p:sp>
-      <p:sp>
-        <p:nvSpPr>
-          <p:cNvPr id="52" name="TextBox 51">
-            <a:extLst>
-              <a:ext uri="{FF2B5EF4-FFF2-40B4-BE49-F238E27FC236}">
-                <a16:creationId xmlns:a16="http://schemas.microsoft.com/office/drawing/2014/main" id="{A5621993-6CE4-4394-A423-BEDD3B16CD16}"/>
-              </a:ext>
-            </a:extLst>
-          </p:cNvPr>
-          <p:cNvSpPr txBox="1"/>
-          <p:nvPr/>
-        </p:nvSpPr>
-        <p:spPr>
-          <a:xfrm>
-            <a:off x="401311" y="1992104"/>
-            <a:ext cx="6112472" cy="4401205"/>
-          </a:xfrm>
-          <a:prstGeom prst="rect">
-            <a:avLst/>
-          </a:prstGeom>
-          <a:noFill/>
-        </p:spPr>
-        <p:txBody>
-          <a:bodyPr wrap="square" rtlCol="0">
-            <a:spAutoFit/>
-          </a:bodyPr>
-          <a:lstStyle/>
-          <a:p>
-            <a:r>
-              <a:rPr lang="en-US" sz="2800" b="1" dirty="0">
-                <a:solidFill>
-                  <a:schemeClr val="bg2"/>
-                </a:solidFill>
-              </a:rPr>
-              <a:t>Definition: </a:t>
-            </a:r>
-            <a:r>
-              <a:rPr lang="en-US" sz="2800" dirty="0">
-                <a:solidFill>
-                  <a:schemeClr val="bg2"/>
-                </a:solidFill>
-              </a:rPr>
-              <a:t>"A list is a collection in Python which is ordered and mutable."</a:t>
-            </a:r>
-          </a:p>
-          <a:p>
-            <a:endParaRPr lang="en-US" sz="2800" b="1" dirty="0">
-              <a:solidFill>
-                <a:schemeClr val="bg2"/>
-              </a:solidFill>
-            </a:endParaRPr>
-          </a:p>
-          <a:p>
-            <a:r>
-              <a:rPr lang="en-US" sz="2800" b="1" dirty="0">
-                <a:solidFill>
-                  <a:schemeClr val="bg2"/>
-                </a:solidFill>
-              </a:rPr>
-              <a:t>Characteristics:</a:t>
-            </a:r>
-          </a:p>
-          <a:p>
-            <a:pPr marL="457200" indent="-457200">
-              <a:buFont typeface="Arial" panose="020B0604020202020204" pitchFamily="34" charset="0"/>
-              <a:buChar char="•"/>
-            </a:pPr>
-            <a:r>
-              <a:rPr lang="en-US" sz="2800" dirty="0">
-                <a:solidFill>
-                  <a:schemeClr val="bg2"/>
-                </a:solidFill>
-              </a:rPr>
-              <a:t>Allows duplicate elements</a:t>
-            </a:r>
-          </a:p>
-          <a:p>
-            <a:pPr marL="457200" indent="-457200">
-              <a:buFont typeface="Arial" panose="020B0604020202020204" pitchFamily="34" charset="0"/>
-              <a:buChar char="•"/>
-            </a:pPr>
-            <a:r>
-              <a:rPr lang="en-US" sz="2800" dirty="0">
-                <a:solidFill>
-                  <a:schemeClr val="bg2"/>
-                </a:solidFill>
-              </a:rPr>
-              <a:t>Supports different data types</a:t>
-            </a:r>
-          </a:p>
-          <a:p>
-            <a:pPr marL="457200" indent="-457200">
-              <a:buFont typeface="Arial" panose="020B0604020202020204" pitchFamily="34" charset="0"/>
-              <a:buChar char="•"/>
-            </a:pPr>
-            <a:r>
-              <a:rPr lang="en-US" sz="2800" dirty="0">
-                <a:solidFill>
-                  <a:schemeClr val="bg2"/>
-                </a:solidFill>
-              </a:rPr>
-              <a:t>Index starts at 0</a:t>
-            </a:r>
-          </a:p>
-          <a:p>
-            <a:pPr marL="457200" indent="-457200">
-              <a:buFont typeface="Arial" panose="020B0604020202020204" pitchFamily="34" charset="0"/>
-              <a:buChar char="•"/>
-            </a:pPr>
-            <a:endParaRPr lang="en-US" sz="2800" dirty="0">
-              <a:solidFill>
-                <a:schemeClr val="bg2"/>
-              </a:solidFill>
-            </a:endParaRPr>
-          </a:p>
-          <a:p>
-            <a:r>
-              <a:rPr lang="en-US" sz="2800" b="1" dirty="0">
-                <a:solidFill>
-                  <a:schemeClr val="bg2"/>
-                </a:solidFill>
-              </a:rPr>
-              <a:t>Example:</a:t>
-            </a:r>
-          </a:p>
-          <a:p>
-            <a:r>
-              <a:rPr lang="en-US" sz="2800" b="1" dirty="0" err="1">
-                <a:solidFill>
-                  <a:schemeClr val="bg2"/>
-                </a:solidFill>
-              </a:rPr>
-              <a:t>my_list</a:t>
-            </a:r>
-            <a:r>
-              <a:rPr lang="en-US" sz="2800" b="1" dirty="0">
-                <a:solidFill>
-                  <a:schemeClr val="bg2"/>
-                </a:solidFill>
-              </a:rPr>
-              <a:t> = [10, 20, 30, 40]</a:t>
-            </a:r>
-          </a:p>
-        </p:txBody>
-      </p:sp>
-    </p:spTree>
-    <p:extLst>
-      <p:ext uri="{BB962C8B-B14F-4D97-AF65-F5344CB8AC3E}">
-        <p14:creationId xmlns:p14="http://schemas.microsoft.com/office/powerpoint/2010/main" val="2751429053"/>
-      </p:ext>
-    </p:extLst>
-  </p:cSld>
-  <p:clrMapOvr>
-    <a:masterClrMapping/>
-  </p:clrMapOvr>
-</p:sld>
-</file>
-
-<file path=ppt/slides/slide20.xml><?xml version="1.0" encoding="utf-8"?>
-<p:sld xmlns:a="http://schemas.openxmlformats.org/drawingml/2006/main" xmlns:r="http://schemas.openxmlformats.org/officeDocument/2006/relationships" xmlns:p="http://schemas.openxmlformats.org/presentationml/2006/main">
-  <p:cSld>
-    <p:bg>
-      <p:bgPr>
-        <a:solidFill>
-          <a:schemeClr val="tx1"/>
-        </a:solidFill>
-        <a:effectLst/>
-      </p:bgPr>
-    </p:bg>
-    <p:spTree>
-      <p:nvGrpSpPr>
-        <p:cNvPr id="1" name="">
-          <a:extLst>
-            <a:ext uri="{FF2B5EF4-FFF2-40B4-BE49-F238E27FC236}">
-              <a16:creationId xmlns:a16="http://schemas.microsoft.com/office/drawing/2014/main" id="{CC4EC65C-ECEB-35DE-BE07-6967E50AFDF9}"/>
-            </a:ext>
-          </a:extLst>
-        </p:cNvPr>
-        <p:cNvGrpSpPr/>
-        <p:nvPr/>
-      </p:nvGrpSpPr>
-      <p:grpSpPr>
-        <a:xfrm>
-          <a:off x="0" y="0"/>
-          <a:ext cx="0" cy="0"/>
-          <a:chOff x="0" y="0"/>
-          <a:chExt cx="0" cy="0"/>
-        </a:xfrm>
-      </p:grpSpPr>
-      <p:sp>
-        <p:nvSpPr>
-          <p:cNvPr id="2" name="Title 1">
-            <a:extLst>
-              <a:ext uri="{FF2B5EF4-FFF2-40B4-BE49-F238E27FC236}">
-                <a16:creationId xmlns:a16="http://schemas.microsoft.com/office/drawing/2014/main" id="{E656613E-3A99-7386-1C1A-A19C440FF31D}"/>
-              </a:ext>
-            </a:extLst>
-          </p:cNvPr>
-          <p:cNvSpPr>
-            <a:spLocks noGrp="1"/>
-          </p:cNvSpPr>
-          <p:nvPr>
-            <p:ph type="ctrTitle"/>
-          </p:nvPr>
-        </p:nvSpPr>
-        <p:spPr>
-          <a:xfrm>
-            <a:off x="0" y="99849"/>
-            <a:ext cx="12192000" cy="1191998"/>
-          </a:xfrm>
-        </p:spPr>
-        <p:txBody>
-          <a:bodyPr>
-            <a:noAutofit/>
-          </a:bodyPr>
-          <a:lstStyle/>
-          <a:p>
-            <a:r>
-              <a:rPr lang="en-US" sz="4800" b="1" dirty="0">
-                <a:solidFill>
-                  <a:schemeClr val="accent3"/>
-                </a:solidFill>
-                <a:effectLst/>
-              </a:rPr>
-              <a:t>Dictionary &amp; Set Comprehension</a:t>
-            </a:r>
-          </a:p>
-        </p:txBody>
-      </p:sp>
-      <p:sp>
-        <p:nvSpPr>
-          <p:cNvPr id="52" name="TextBox 51">
-            <a:extLst>
-              <a:ext uri="{FF2B5EF4-FFF2-40B4-BE49-F238E27FC236}">
-                <a16:creationId xmlns:a16="http://schemas.microsoft.com/office/drawing/2014/main" id="{9C1B8233-6488-4C70-1B93-8D19A515479E}"/>
-              </a:ext>
-            </a:extLst>
-          </p:cNvPr>
-          <p:cNvSpPr txBox="1"/>
-          <p:nvPr/>
-        </p:nvSpPr>
-        <p:spPr>
-          <a:xfrm>
-            <a:off x="410935" y="1992104"/>
-            <a:ext cx="8742689" cy="2677656"/>
-          </a:xfrm>
-          <a:prstGeom prst="rect">
-            <a:avLst/>
-          </a:prstGeom>
-          <a:noFill/>
-        </p:spPr>
-        <p:txBody>
-          <a:bodyPr wrap="square" rtlCol="0">
-            <a:spAutoFit/>
-          </a:bodyPr>
-          <a:lstStyle/>
-          <a:p>
-            <a:r>
-              <a:rPr lang="en-US" sz="2800" b="1" dirty="0">
-                <a:solidFill>
-                  <a:schemeClr val="bg2"/>
-                </a:solidFill>
-              </a:rPr>
-              <a:t>Dictionary comprehension:</a:t>
-            </a:r>
-            <a:endParaRPr lang="en-US" sz="2800" i="1" dirty="0">
-              <a:solidFill>
-                <a:schemeClr val="bg2"/>
-              </a:solidFill>
-              <a:highlight>
-                <a:srgbClr val="C0C0C0"/>
-              </a:highlight>
-            </a:endParaRPr>
-          </a:p>
-          <a:p>
-            <a:r>
-              <a:rPr lang="en-US" sz="2800" i="1" dirty="0">
-                <a:solidFill>
-                  <a:schemeClr val="bg2"/>
-                </a:solidFill>
-                <a:highlight>
-                  <a:srgbClr val="C0C0C0"/>
-                </a:highlight>
-              </a:rPr>
-              <a:t>squares = {x: x**2 for x in range(5)}</a:t>
-            </a:r>
-          </a:p>
-          <a:p>
-            <a:endParaRPr lang="en-US" sz="2800" i="1" dirty="0">
-              <a:solidFill>
-                <a:schemeClr val="bg2"/>
-              </a:solidFill>
-            </a:endParaRPr>
-          </a:p>
-          <a:p>
-            <a:r>
-              <a:rPr lang="en-US" sz="2800" b="1" dirty="0">
-                <a:solidFill>
-                  <a:schemeClr val="bg2"/>
-                </a:solidFill>
-              </a:rPr>
-              <a:t>Set comprehension:</a:t>
-            </a:r>
-          </a:p>
-          <a:p>
-            <a:r>
-              <a:rPr lang="en-US" sz="2800" i="1" dirty="0" err="1">
-                <a:solidFill>
-                  <a:schemeClr val="bg2"/>
-                </a:solidFill>
-                <a:highlight>
-                  <a:srgbClr val="C0C0C0"/>
-                </a:highlight>
-              </a:rPr>
-              <a:t>unique_squares</a:t>
-            </a:r>
-            <a:r>
-              <a:rPr lang="en-US" sz="2800" i="1" dirty="0">
-                <a:solidFill>
-                  <a:schemeClr val="bg2"/>
-                </a:solidFill>
-                <a:highlight>
-                  <a:srgbClr val="C0C0C0"/>
-                </a:highlight>
-              </a:rPr>
-              <a:t> = {x**2 for x in [1,2,2,3]}</a:t>
-            </a:r>
-          </a:p>
-          <a:p>
-            <a:endParaRPr lang="en-US" sz="2800" i="1" dirty="0">
-              <a:solidFill>
-                <a:schemeClr val="bg2"/>
-              </a:solidFill>
-            </a:endParaRPr>
-          </a:p>
-        </p:txBody>
-      </p:sp>
-    </p:spTree>
-    <p:extLst>
-      <p:ext uri="{BB962C8B-B14F-4D97-AF65-F5344CB8AC3E}">
-        <p14:creationId xmlns:p14="http://schemas.microsoft.com/office/powerpoint/2010/main" val="4076373821"/>
-      </p:ext>
-    </p:extLst>
-  </p:cSld>
-  <p:clrMapOvr>
-    <a:masterClrMapping/>
-  </p:clrMapOvr>
-</p:sld>
-</file>
-
-<file path=ppt/slides/slide21.xml><?xml version="1.0" encoding="utf-8"?>
-<p:sld xmlns:a="http://schemas.openxmlformats.org/drawingml/2006/main" xmlns:r="http://schemas.openxmlformats.org/officeDocument/2006/relationships" xmlns:p="http://schemas.openxmlformats.org/presentationml/2006/main">
-  <p:cSld>
-    <p:bg>
-      <p:bgPr>
-        <a:solidFill>
-          <a:schemeClr val="tx1"/>
-        </a:solidFill>
-        <a:effectLst/>
-      </p:bgPr>
-    </p:bg>
-    <p:spTree>
-      <p:nvGrpSpPr>
-        <p:cNvPr id="1" name="">
-          <a:extLst>
-            <a:ext uri="{FF2B5EF4-FFF2-40B4-BE49-F238E27FC236}">
-              <a16:creationId xmlns:a16="http://schemas.microsoft.com/office/drawing/2014/main" id="{3BE50034-7032-8AED-8277-2EE594678C53}"/>
-            </a:ext>
-          </a:extLst>
-        </p:cNvPr>
-        <p:cNvGrpSpPr/>
-        <p:nvPr/>
-      </p:nvGrpSpPr>
-      <p:grpSpPr>
-        <a:xfrm>
-          <a:off x="0" y="0"/>
-          <a:ext cx="0" cy="0"/>
-          <a:chOff x="0" y="0"/>
-          <a:chExt cx="0" cy="0"/>
-        </a:xfrm>
-      </p:grpSpPr>
-      <p:sp>
-        <p:nvSpPr>
-          <p:cNvPr id="2" name="Title 1">
-            <a:extLst>
-              <a:ext uri="{FF2B5EF4-FFF2-40B4-BE49-F238E27FC236}">
-                <a16:creationId xmlns:a16="http://schemas.microsoft.com/office/drawing/2014/main" id="{0A7AF4F3-9DD4-5655-AC37-E35E9B0F07E0}"/>
-              </a:ext>
-            </a:extLst>
-          </p:cNvPr>
-          <p:cNvSpPr>
-            <a:spLocks noGrp="1"/>
-          </p:cNvSpPr>
-          <p:nvPr>
-            <p:ph type="ctrTitle"/>
-          </p:nvPr>
-        </p:nvSpPr>
-        <p:spPr>
-          <a:xfrm>
-            <a:off x="0" y="99849"/>
-            <a:ext cx="12192000" cy="1191998"/>
-          </a:xfrm>
-        </p:spPr>
-        <p:txBody>
-          <a:bodyPr>
-            <a:noAutofit/>
-          </a:bodyPr>
-          <a:lstStyle/>
-          <a:p>
-            <a:r>
-              <a:rPr lang="en-US" sz="4800" b="1" dirty="0">
-                <a:solidFill>
-                  <a:schemeClr val="accent3"/>
-                </a:solidFill>
-                <a:effectLst/>
-              </a:rPr>
-              <a:t>Real-World Use Cases</a:t>
-            </a:r>
-          </a:p>
-        </p:txBody>
-      </p:sp>
-      <p:sp>
-        <p:nvSpPr>
-          <p:cNvPr id="52" name="TextBox 51">
-            <a:extLst>
-              <a:ext uri="{FF2B5EF4-FFF2-40B4-BE49-F238E27FC236}">
-                <a16:creationId xmlns:a16="http://schemas.microsoft.com/office/drawing/2014/main" id="{717467B8-FCEB-22B9-FB8D-3338433029F3}"/>
-              </a:ext>
-            </a:extLst>
-          </p:cNvPr>
-          <p:cNvSpPr txBox="1"/>
-          <p:nvPr/>
-        </p:nvSpPr>
-        <p:spPr>
-          <a:xfrm>
-            <a:off x="410935" y="1992104"/>
-            <a:ext cx="8742689" cy="3539430"/>
-          </a:xfrm>
-          <a:prstGeom prst="rect">
-            <a:avLst/>
-          </a:prstGeom>
-          <a:noFill/>
-        </p:spPr>
-        <p:txBody>
-          <a:bodyPr wrap="square" rtlCol="0">
-            <a:spAutoFit/>
-          </a:bodyPr>
-          <a:lstStyle/>
-          <a:p>
-            <a:pPr marL="457200" indent="-457200">
-              <a:buFont typeface="Arial" panose="020B0604020202020204" pitchFamily="34" charset="0"/>
-              <a:buChar char="•"/>
-            </a:pPr>
-            <a:r>
-              <a:rPr lang="en-US" sz="2800" dirty="0">
-                <a:solidFill>
-                  <a:schemeClr val="bg2"/>
-                </a:solidFill>
-              </a:rPr>
-              <a:t>Removing duplicates</a:t>
-            </a:r>
-          </a:p>
-          <a:p>
-            <a:pPr marL="457200" indent="-457200">
-              <a:buFont typeface="Arial" panose="020B0604020202020204" pitchFamily="34" charset="0"/>
-              <a:buChar char="•"/>
-            </a:pPr>
-            <a:r>
-              <a:rPr lang="en-US" sz="2800" dirty="0">
-                <a:solidFill>
-                  <a:schemeClr val="bg2"/>
-                </a:solidFill>
-              </a:rPr>
-              <a:t>Filtering data</a:t>
-            </a:r>
-          </a:p>
-          <a:p>
-            <a:pPr marL="457200" indent="-457200">
-              <a:buFont typeface="Arial" panose="020B0604020202020204" pitchFamily="34" charset="0"/>
-              <a:buChar char="•"/>
-            </a:pPr>
-            <a:r>
-              <a:rPr lang="en-US" sz="2800" dirty="0">
-                <a:solidFill>
-                  <a:schemeClr val="bg2"/>
-                </a:solidFill>
-              </a:rPr>
-              <a:t>Extracting specific info from a dataset</a:t>
-            </a:r>
-          </a:p>
-          <a:p>
-            <a:endParaRPr lang="en-US" sz="2800" dirty="0">
-              <a:solidFill>
-                <a:schemeClr val="bg2"/>
-              </a:solidFill>
-            </a:endParaRPr>
-          </a:p>
-          <a:p>
-            <a:r>
-              <a:rPr lang="en-US" sz="2800" dirty="0">
-                <a:solidFill>
-                  <a:schemeClr val="bg2"/>
-                </a:solidFill>
-              </a:rPr>
-              <a:t>Example with strings:</a:t>
-            </a:r>
-          </a:p>
-          <a:p>
-            <a:pPr lvl="1"/>
-            <a:r>
-              <a:rPr lang="en-US" sz="2800" i="1" dirty="0">
-                <a:solidFill>
-                  <a:schemeClr val="bg2"/>
-                </a:solidFill>
-                <a:highlight>
-                  <a:srgbClr val="C0C0C0"/>
-                </a:highlight>
-              </a:rPr>
-              <a:t>words = ["hello", "world", "python"]</a:t>
-            </a:r>
-          </a:p>
-          <a:p>
-            <a:pPr lvl="1"/>
-            <a:r>
-              <a:rPr lang="en-US" sz="2800" i="1" dirty="0" err="1">
-                <a:solidFill>
-                  <a:schemeClr val="bg2"/>
-                </a:solidFill>
-                <a:highlight>
-                  <a:srgbClr val="C0C0C0"/>
-                </a:highlight>
-              </a:rPr>
-              <a:t>long_words</a:t>
-            </a:r>
-            <a:r>
-              <a:rPr lang="en-US" sz="2800" i="1" dirty="0">
-                <a:solidFill>
-                  <a:schemeClr val="bg2"/>
-                </a:solidFill>
-                <a:highlight>
-                  <a:srgbClr val="C0C0C0"/>
-                </a:highlight>
-              </a:rPr>
-              <a:t> = [w for w in words if </a:t>
-            </a:r>
-            <a:r>
-              <a:rPr lang="en-US" sz="2800" i="1" dirty="0" err="1">
-                <a:solidFill>
-                  <a:schemeClr val="bg2"/>
-                </a:solidFill>
-                <a:highlight>
-                  <a:srgbClr val="C0C0C0"/>
-                </a:highlight>
-              </a:rPr>
-              <a:t>len</a:t>
-            </a:r>
-            <a:r>
-              <a:rPr lang="en-US" sz="2800" i="1" dirty="0">
-                <a:solidFill>
-                  <a:schemeClr val="bg2"/>
-                </a:solidFill>
-                <a:highlight>
-                  <a:srgbClr val="C0C0C0"/>
-                </a:highlight>
-              </a:rPr>
-              <a:t>(w) &gt; 5]</a:t>
-            </a:r>
-          </a:p>
-          <a:p>
-            <a:endParaRPr lang="en-US" sz="2800" dirty="0">
-              <a:solidFill>
-                <a:schemeClr val="bg2"/>
-              </a:solidFill>
-            </a:endParaRPr>
-          </a:p>
-        </p:txBody>
-      </p:sp>
-    </p:spTree>
-    <p:extLst>
-      <p:ext uri="{BB962C8B-B14F-4D97-AF65-F5344CB8AC3E}">
-        <p14:creationId xmlns:p14="http://schemas.microsoft.com/office/powerpoint/2010/main" val="2811900507"/>
-      </p:ext>
-    </p:extLst>
-  </p:cSld>
-  <p:clrMapOvr>
-    <a:masterClrMapping/>
-  </p:clrMapOvr>
-</p:sld>
-</file>
-
-<file path=ppt/slides/slide22.xml><?xml version="1.0" encoding="utf-8"?>
-<p:sld xmlns:a="http://schemas.openxmlformats.org/drawingml/2006/main" xmlns:r="http://schemas.openxmlformats.org/officeDocument/2006/relationships" xmlns:p="http://schemas.openxmlformats.org/presentationml/2006/main">
-  <p:cSld>
-    <p:bg>
-      <p:bgPr>
-        <a:solidFill>
           <a:srgbClr val="0070C0"/>
         </a:solidFill>
         <a:effectLst/>
@@ -9837,6 +7504,229 @@
     <p:extLst>
       <p:ext uri="{BB962C8B-B14F-4D97-AF65-F5344CB8AC3E}">
         <p14:creationId xmlns:p14="http://schemas.microsoft.com/office/powerpoint/2010/main" val="389667142"/>
+      </p:ext>
+    </p:extLst>
+  </p:cSld>
+  <p:clrMapOvr>
+    <a:masterClrMapping/>
+  </p:clrMapOvr>
+</p:sld>
+</file>
+
+<file path=ppt/slides/slide2.xml><?xml version="1.0" encoding="utf-8"?>
+<p:sld xmlns:a="http://schemas.openxmlformats.org/drawingml/2006/main" xmlns:r="http://schemas.openxmlformats.org/officeDocument/2006/relationships" xmlns:p="http://schemas.openxmlformats.org/presentationml/2006/main">
+  <p:cSld>
+    <p:bg>
+      <p:bgPr>
+        <a:solidFill>
+          <a:schemeClr val="tx1"/>
+        </a:solidFill>
+        <a:effectLst/>
+      </p:bgPr>
+    </p:bg>
+    <p:spTree>
+      <p:nvGrpSpPr>
+        <p:cNvPr id="1" name=""/>
+        <p:cNvGrpSpPr/>
+        <p:nvPr/>
+      </p:nvGrpSpPr>
+      <p:grpSpPr>
+        <a:xfrm>
+          <a:off x="0" y="0"/>
+          <a:ext cx="0" cy="0"/>
+          <a:chOff x="0" y="0"/>
+          <a:chExt cx="0" cy="0"/>
+        </a:xfrm>
+      </p:grpSpPr>
+      <p:sp>
+        <p:nvSpPr>
+          <p:cNvPr id="2" name="Title 1">
+            <a:extLst>
+              <a:ext uri="{FF2B5EF4-FFF2-40B4-BE49-F238E27FC236}">
+                <a16:creationId xmlns:a16="http://schemas.microsoft.com/office/drawing/2014/main" id="{0D1F047C-C727-42A7-85C5-68C5AA1B1A93}"/>
+              </a:ext>
+            </a:extLst>
+          </p:cNvPr>
+          <p:cNvSpPr>
+            <a:spLocks noGrp="1"/>
+          </p:cNvSpPr>
+          <p:nvPr>
+            <p:ph type="ctrTitle"/>
+          </p:nvPr>
+        </p:nvSpPr>
+        <p:spPr>
+          <a:xfrm>
+            <a:off x="0" y="99849"/>
+            <a:ext cx="12192000" cy="1191998"/>
+          </a:xfrm>
+        </p:spPr>
+        <p:txBody>
+          <a:bodyPr>
+            <a:normAutofit/>
+          </a:bodyPr>
+          <a:lstStyle/>
+          <a:p>
+            <a:r>
+              <a:rPr lang="en-US" sz="6000" b="1" dirty="0">
+                <a:solidFill>
+                  <a:schemeClr val="accent3"/>
+                </a:solidFill>
+                <a:effectLst/>
+              </a:rPr>
+              <a:t>Introduction to Python Lists</a:t>
+            </a:r>
+          </a:p>
+        </p:txBody>
+      </p:sp>
+      <p:sp>
+        <p:nvSpPr>
+          <p:cNvPr id="52" name="TextBox 51">
+            <a:extLst>
+              <a:ext uri="{FF2B5EF4-FFF2-40B4-BE49-F238E27FC236}">
+                <a16:creationId xmlns:a16="http://schemas.microsoft.com/office/drawing/2014/main" id="{A5621993-6CE4-4394-A423-BEDD3B16CD16}"/>
+              </a:ext>
+            </a:extLst>
+          </p:cNvPr>
+          <p:cNvSpPr txBox="1"/>
+          <p:nvPr/>
+        </p:nvSpPr>
+        <p:spPr>
+          <a:xfrm>
+            <a:off x="401311" y="1992104"/>
+            <a:ext cx="6112472" cy="4401205"/>
+          </a:xfrm>
+          <a:prstGeom prst="rect">
+            <a:avLst/>
+          </a:prstGeom>
+          <a:noFill/>
+        </p:spPr>
+        <p:txBody>
+          <a:bodyPr wrap="square" rtlCol="0">
+            <a:spAutoFit/>
+          </a:bodyPr>
+          <a:lstStyle/>
+          <a:p>
+            <a:r>
+              <a:rPr lang="en-US" sz="2800" b="1" dirty="0">
+                <a:solidFill>
+                  <a:schemeClr val="bg2"/>
+                </a:solidFill>
+              </a:rPr>
+              <a:t>Definition: </a:t>
+            </a:r>
+            <a:r>
+              <a:rPr lang="en-US" sz="2800" dirty="0">
+                <a:solidFill>
+                  <a:schemeClr val="bg2"/>
+                </a:solidFill>
+              </a:rPr>
+              <a:t>"A list is a collection in Python which is ordered and mutable."</a:t>
+            </a:r>
+          </a:p>
+          <a:p>
+            <a:endParaRPr lang="en-US" sz="2800" b="1" dirty="0">
+              <a:solidFill>
+                <a:schemeClr val="bg2"/>
+              </a:solidFill>
+            </a:endParaRPr>
+          </a:p>
+          <a:p>
+            <a:r>
+              <a:rPr lang="en-US" sz="2800" b="1" dirty="0">
+                <a:solidFill>
+                  <a:schemeClr val="bg2"/>
+                </a:solidFill>
+              </a:rPr>
+              <a:t>Characteristics:</a:t>
+            </a:r>
+          </a:p>
+          <a:p>
+            <a:pPr marL="457200" indent="-457200">
+              <a:buFont typeface="Arial" panose="020B0604020202020204" pitchFamily="34" charset="0"/>
+              <a:buChar char="•"/>
+            </a:pPr>
+            <a:r>
+              <a:rPr lang="en-US" sz="2800" dirty="0">
+                <a:solidFill>
+                  <a:schemeClr val="bg2"/>
+                </a:solidFill>
+              </a:rPr>
+              <a:t>Allows duplicate elements</a:t>
+            </a:r>
+          </a:p>
+          <a:p>
+            <a:pPr marL="457200" indent="-457200">
+              <a:buFont typeface="Arial" panose="020B0604020202020204" pitchFamily="34" charset="0"/>
+              <a:buChar char="•"/>
+            </a:pPr>
+            <a:r>
+              <a:rPr lang="en-US" sz="2800" dirty="0">
+                <a:solidFill>
+                  <a:schemeClr val="bg2"/>
+                </a:solidFill>
+              </a:rPr>
+              <a:t>Supports different data types</a:t>
+            </a:r>
+          </a:p>
+          <a:p>
+            <a:pPr marL="457200" indent="-457200">
+              <a:buFont typeface="Arial" panose="020B0604020202020204" pitchFamily="34" charset="0"/>
+              <a:buChar char="•"/>
+            </a:pPr>
+            <a:r>
+              <a:rPr lang="en-US" sz="2800" dirty="0">
+                <a:solidFill>
+                  <a:schemeClr val="bg2"/>
+                </a:solidFill>
+              </a:rPr>
+              <a:t>Index starts at 0</a:t>
+            </a:r>
+          </a:p>
+          <a:p>
+            <a:pPr marL="457200" indent="-457200">
+              <a:buFont typeface="Arial" panose="020B0604020202020204" pitchFamily="34" charset="0"/>
+              <a:buChar char="•"/>
+            </a:pPr>
+            <a:endParaRPr lang="en-US" sz="2800" dirty="0">
+              <a:solidFill>
+                <a:schemeClr val="bg2"/>
+              </a:solidFill>
+            </a:endParaRPr>
+          </a:p>
+          <a:p>
+            <a:r>
+              <a:rPr lang="en-US" sz="2800" b="1" dirty="0">
+                <a:solidFill>
+                  <a:schemeClr val="bg2"/>
+                </a:solidFill>
+              </a:rPr>
+              <a:t>Example:</a:t>
+            </a:r>
+          </a:p>
+          <a:p>
+            <a:r>
+              <a:rPr lang="en-US" sz="2800" b="1" dirty="0" err="1">
+                <a:solidFill>
+                  <a:schemeClr val="bg2"/>
+                </a:solidFill>
+              </a:rPr>
+              <a:t>my_list</a:t>
+            </a:r>
+            <a:r>
+              <a:rPr lang="en-US" sz="2800" b="1" dirty="0">
+                <a:solidFill>
+                  <a:schemeClr val="bg2"/>
+                </a:solidFill>
+              </a:rPr>
+              <a:t> = [10, 20, 30, 40]</a:t>
+            </a:r>
+          </a:p>
+        </p:txBody>
+      </p:sp>
+    </p:spTree>
+    <p:extLst>
+      <p:ext uri="{BB962C8B-B14F-4D97-AF65-F5344CB8AC3E}">
+        <p14:creationId xmlns:p14="http://schemas.microsoft.com/office/powerpoint/2010/main" val="2751429053"/>
       </p:ext>
     </p:extLst>
   </p:cSld>
